--- a/WSL Presentation.pptx
+++ b/WSL Presentation.pptx
@@ -1,58 +1,37 @@
 
 <file path=ppt/presentation.xml><?xml version="1.0" encoding="utf-8"?>
-<p:presentation xmlns:a="http://schemas.openxmlformats.org/drawingml/2006/main" xmlns:r="http://schemas.openxmlformats.org/officeDocument/2006/relationships" xmlns:p="http://schemas.openxmlformats.org/presentationml/2006/main" saveSubsetFonts="1" embedTrueTypeFonts="true">
+<p:presentation xmlns:a="http://schemas.openxmlformats.org/drawingml/2006/main" xmlns:r="http://schemas.openxmlformats.org/officeDocument/2006/relationships" xmlns:p="http://schemas.openxmlformats.org/presentationml/2006/main" embedTrueTypeFonts="1" saveSubsetFonts="1">
   <p:sldMasterIdLst>
     <p:sldMasterId id="2147483648" r:id="rId1"/>
   </p:sldMasterIdLst>
   <p:sldIdLst>
-    <p:sldId id="256" r:id="rId16"/>
-    <p:sldId id="257" r:id="rId17"/>
-    <p:sldId id="258" r:id="rId18"/>
-    <p:sldId id="259" r:id="rId19"/>
-    <p:sldId id="260" r:id="rId20"/>
+    <p:sldId id="256" r:id="rId2"/>
+    <p:sldId id="257" r:id="rId3"/>
+    <p:sldId id="258" r:id="rId4"/>
+    <p:sldId id="259" r:id="rId5"/>
+    <p:sldId id="260" r:id="rId6"/>
   </p:sldIdLst>
   <p:sldSz cx="18288000" cy="10287000"/>
   <p:notesSz cx="6858000" cy="9144000"/>
   <p:embeddedFontLst>
     <p:embeddedFont>
-      <p:font typeface="Arimo" charset="1" panose="020B0604020202020204"/>
-      <p:regular r:id="rId6"/>
+      <p:font typeface="Calibri" panose="020F0502020204030204" pitchFamily="34" charset="0"/>
+      <p:regular r:id="rId7"/>
+      <p:bold r:id="rId8"/>
+      <p:italic r:id="rId9"/>
+      <p:boldItalic r:id="rId10"/>
     </p:embeddedFont>
     <p:embeddedFont>
-      <p:font typeface="Arimo Bold" charset="1" panose="020B0704020202020204"/>
-      <p:regular r:id="rId7"/>
-    </p:embeddedFont>
-    <p:embeddedFont>
-      <p:font typeface="Arimo Italics" charset="1" panose="020B0604020202090204"/>
-      <p:regular r:id="rId8"/>
-    </p:embeddedFont>
-    <p:embeddedFont>
-      <p:font typeface="Arimo Bold Italics" charset="1" panose="020B0704020202090204"/>
-      <p:regular r:id="rId9"/>
-    </p:embeddedFont>
-    <p:embeddedFont>
-      <p:font typeface="DM Sans" charset="1" panose="00000000000000000000"/>
-      <p:regular r:id="rId10"/>
-    </p:embeddedFont>
-    <p:embeddedFont>
-      <p:font typeface="DM Sans Bold" charset="1" panose="00000000000000000000"/>
+      <p:font typeface="DM Sans" pitchFamily="2" charset="0"/>
       <p:regular r:id="rId11"/>
     </p:embeddedFont>
     <p:embeddedFont>
-      <p:font typeface="DM Sans Italics" charset="1" panose="00000000000000000000"/>
+      <p:font typeface="DM Sans Italics" panose="020B0604020202020204" charset="0"/>
       <p:regular r:id="rId12"/>
     </p:embeddedFont>
     <p:embeddedFont>
-      <p:font typeface="DM Sans Bold Italics" charset="1" panose="00000000000000000000"/>
+      <p:font typeface="Now Bold" panose="020B0604020202020204" charset="0"/>
       <p:regular r:id="rId13"/>
-    </p:embeddedFont>
-    <p:embeddedFont>
-      <p:font typeface="Now Bold" charset="1" panose="00000800000000000000"/>
-      <p:regular r:id="rId14"/>
-    </p:embeddedFont>
-    <p:embeddedFont>
-      <p:font typeface="Now Bold Bold" charset="1" panose="00000A00000000000000"/>
-      <p:regular r:id="rId15"/>
     </p:embeddedFont>
   </p:embeddedFontLst>
   <p:defaultTextStyle>
@@ -150,6 +129,22 @@
       </a:defRPr>
     </a:lvl9pPr>
   </p:defaultTextStyle>
+  <p:extLst>
+    <p:ext uri="{EFAFB233-063F-42B5-8137-9DF3F51BA10A}">
+      <p15:sldGuideLst xmlns:p15="http://schemas.microsoft.com/office/powerpoint/2012/main">
+        <p15:guide id="1" orient="horz" pos="2160">
+          <p15:clr>
+            <a:srgbClr val="A4A3A4"/>
+          </p15:clr>
+        </p15:guide>
+        <p15:guide id="2" pos="2880">
+          <p15:clr>
+            <a:srgbClr val="A4A3A4"/>
+          </p15:clr>
+        </p15:guide>
+      </p15:sldGuideLst>
+    </p:ext>
+  </p:extLst>
 </p:presentation>
 </file>
 
@@ -191,10 +186,9 @@
           <a:lstStyle/>
           <a:p>
             <a:r>
-              <a:rPr lang="en-US" smtClean="0"/>
+              <a:rPr lang="en-US"/>
               <a:t>Click to edit Master title style</a:t>
             </a:r>
-            <a:endParaRPr lang="en-US"/>
           </a:p>
         </p:txBody>
       </p:sp>
@@ -310,10 +304,9 @@
           </a:lstStyle>
           <a:p>
             <a:r>
-              <a:rPr lang="en-US" smtClean="0"/>
+              <a:rPr lang="en-US"/>
               <a:t>Click to edit Master subtitle style</a:t>
             </a:r>
-            <a:endParaRPr lang="en-US"/>
           </a:p>
         </p:txBody>
       </p:sp>
@@ -335,7 +328,7 @@
             <a:fld id="{1D8BD707-D9CF-40AE-B4C6-C98DA3205C09}" type="datetimeFigureOut">
               <a:rPr lang="en-US" smtClean="0"/>
               <a:pPr/>
-              <a:t>8/1/2011</a:t>
+              <a:t>6/25/2023</a:t>
             </a:fld>
             <a:endParaRPr lang="en-US"/>
           </a:p>
@@ -425,10 +418,9 @@
           <a:lstStyle/>
           <a:p>
             <a:r>
-              <a:rPr lang="en-US" smtClean="0"/>
+              <a:rPr lang="en-US"/>
               <a:t>Click to edit Master title style</a:t>
             </a:r>
-            <a:endParaRPr lang="en-US"/>
           </a:p>
         </p:txBody>
       </p:sp>
@@ -449,38 +441,37 @@
           <a:p>
             <a:pPr lvl="0"/>
             <a:r>
-              <a:rPr lang="en-US" smtClean="0"/>
+              <a:rPr lang="en-US"/>
               <a:t>Click to edit Master text styles</a:t>
             </a:r>
           </a:p>
           <a:p>
             <a:pPr lvl="1"/>
             <a:r>
-              <a:rPr lang="en-US" smtClean="0"/>
+              <a:rPr lang="en-US"/>
               <a:t>Second level</a:t>
             </a:r>
           </a:p>
           <a:p>
             <a:pPr lvl="2"/>
             <a:r>
-              <a:rPr lang="en-US" smtClean="0"/>
+              <a:rPr lang="en-US"/>
               <a:t>Third level</a:t>
             </a:r>
           </a:p>
           <a:p>
             <a:pPr lvl="3"/>
             <a:r>
-              <a:rPr lang="en-US" smtClean="0"/>
+              <a:rPr lang="en-US"/>
               <a:t>Fourth level</a:t>
             </a:r>
           </a:p>
           <a:p>
             <a:pPr lvl="4"/>
             <a:r>
-              <a:rPr lang="en-US" smtClean="0"/>
+              <a:rPr lang="en-US"/>
               <a:t>Fifth level</a:t>
             </a:r>
-            <a:endParaRPr lang="en-US"/>
           </a:p>
         </p:txBody>
       </p:sp>
@@ -502,7 +493,7 @@
             <a:fld id="{1D8BD707-D9CF-40AE-B4C6-C98DA3205C09}" type="datetimeFigureOut">
               <a:rPr lang="en-US" smtClean="0"/>
               <a:pPr/>
-              <a:t>8/1/2011</a:t>
+              <a:t>6/25/2023</a:t>
             </a:fld>
             <a:endParaRPr lang="en-US"/>
           </a:p>
@@ -597,10 +588,9 @@
           <a:lstStyle/>
           <a:p>
             <a:r>
-              <a:rPr lang="en-US" smtClean="0"/>
+              <a:rPr lang="en-US"/>
               <a:t>Click to edit Master title style</a:t>
             </a:r>
-            <a:endParaRPr lang="en-US"/>
           </a:p>
         </p:txBody>
       </p:sp>
@@ -626,38 +616,37 @@
           <a:p>
             <a:pPr lvl="0"/>
             <a:r>
-              <a:rPr lang="en-US" smtClean="0"/>
+              <a:rPr lang="en-US"/>
               <a:t>Click to edit Master text styles</a:t>
             </a:r>
           </a:p>
           <a:p>
             <a:pPr lvl="1"/>
             <a:r>
-              <a:rPr lang="en-US" smtClean="0"/>
+              <a:rPr lang="en-US"/>
               <a:t>Second level</a:t>
             </a:r>
           </a:p>
           <a:p>
             <a:pPr lvl="2"/>
             <a:r>
-              <a:rPr lang="en-US" smtClean="0"/>
+              <a:rPr lang="en-US"/>
               <a:t>Third level</a:t>
             </a:r>
           </a:p>
           <a:p>
             <a:pPr lvl="3"/>
             <a:r>
-              <a:rPr lang="en-US" smtClean="0"/>
+              <a:rPr lang="en-US"/>
               <a:t>Fourth level</a:t>
             </a:r>
           </a:p>
           <a:p>
             <a:pPr lvl="4"/>
             <a:r>
-              <a:rPr lang="en-US" smtClean="0"/>
+              <a:rPr lang="en-US"/>
               <a:t>Fifth level</a:t>
             </a:r>
-            <a:endParaRPr lang="en-US"/>
           </a:p>
         </p:txBody>
       </p:sp>
@@ -679,7 +668,7 @@
             <a:fld id="{1D8BD707-D9CF-40AE-B4C6-C98DA3205C09}" type="datetimeFigureOut">
               <a:rPr lang="en-US" smtClean="0"/>
               <a:pPr/>
-              <a:t>8/1/2011</a:t>
+              <a:t>6/25/2023</a:t>
             </a:fld>
             <a:endParaRPr lang="en-US"/>
           </a:p>
@@ -769,10 +758,9 @@
           <a:lstStyle/>
           <a:p>
             <a:r>
-              <a:rPr lang="en-US" smtClean="0"/>
+              <a:rPr lang="en-US"/>
               <a:t>Click to edit Master title style</a:t>
             </a:r>
-            <a:endParaRPr lang="en-US"/>
           </a:p>
         </p:txBody>
       </p:sp>
@@ -793,38 +781,37 @@
           <a:p>
             <a:pPr lvl="0"/>
             <a:r>
-              <a:rPr lang="en-US" smtClean="0"/>
+              <a:rPr lang="en-US"/>
               <a:t>Click to edit Master text styles</a:t>
             </a:r>
           </a:p>
           <a:p>
             <a:pPr lvl="1"/>
             <a:r>
-              <a:rPr lang="en-US" smtClean="0"/>
+              <a:rPr lang="en-US"/>
               <a:t>Second level</a:t>
             </a:r>
           </a:p>
           <a:p>
             <a:pPr lvl="2"/>
             <a:r>
-              <a:rPr lang="en-US" smtClean="0"/>
+              <a:rPr lang="en-US"/>
               <a:t>Third level</a:t>
             </a:r>
           </a:p>
           <a:p>
             <a:pPr lvl="3"/>
             <a:r>
-              <a:rPr lang="en-US" smtClean="0"/>
+              <a:rPr lang="en-US"/>
               <a:t>Fourth level</a:t>
             </a:r>
           </a:p>
           <a:p>
             <a:pPr lvl="4"/>
             <a:r>
-              <a:rPr lang="en-US" smtClean="0"/>
+              <a:rPr lang="en-US"/>
               <a:t>Fifth level</a:t>
             </a:r>
-            <a:endParaRPr lang="en-US"/>
           </a:p>
         </p:txBody>
       </p:sp>
@@ -846,7 +833,7 @@
             <a:fld id="{1D8BD707-D9CF-40AE-B4C6-C98DA3205C09}" type="datetimeFigureOut">
               <a:rPr lang="en-US" smtClean="0"/>
               <a:pPr/>
-              <a:t>8/1/2011</a:t>
+              <a:t>6/25/2023</a:t>
             </a:fld>
             <a:endParaRPr lang="en-US"/>
           </a:p>
@@ -945,10 +932,9 @@
           </a:lstStyle>
           <a:p>
             <a:r>
-              <a:rPr lang="en-US" smtClean="0"/>
+              <a:rPr lang="en-US"/>
               <a:t>Click to edit Master title style</a:t>
             </a:r>
-            <a:endParaRPr lang="en-US"/>
           </a:p>
         </p:txBody>
       </p:sp>
@@ -1065,7 +1051,7 @@
           <a:p>
             <a:pPr lvl="0"/>
             <a:r>
-              <a:rPr lang="en-US" smtClean="0"/>
+              <a:rPr lang="en-US"/>
               <a:t>Click to edit Master text styles</a:t>
             </a:r>
           </a:p>
@@ -1089,7 +1075,7 @@
             <a:fld id="{1D8BD707-D9CF-40AE-B4C6-C98DA3205C09}" type="datetimeFigureOut">
               <a:rPr lang="en-US" smtClean="0"/>
               <a:pPr/>
-              <a:t>8/1/2011</a:t>
+              <a:t>6/25/2023</a:t>
             </a:fld>
             <a:endParaRPr lang="en-US"/>
           </a:p>
@@ -1179,10 +1165,9 @@
           <a:lstStyle/>
           <a:p>
             <a:r>
-              <a:rPr lang="en-US" smtClean="0"/>
+              <a:rPr lang="en-US"/>
               <a:t>Click to edit Master title style</a:t>
             </a:r>
-            <a:endParaRPr lang="en-US"/>
           </a:p>
         </p:txBody>
       </p:sp>
@@ -1236,38 +1221,37 @@
           <a:p>
             <a:pPr lvl="0"/>
             <a:r>
-              <a:rPr lang="en-US" smtClean="0"/>
+              <a:rPr lang="en-US"/>
               <a:t>Click to edit Master text styles</a:t>
             </a:r>
           </a:p>
           <a:p>
             <a:pPr lvl="1"/>
             <a:r>
-              <a:rPr lang="en-US" smtClean="0"/>
+              <a:rPr lang="en-US"/>
               <a:t>Second level</a:t>
             </a:r>
           </a:p>
           <a:p>
             <a:pPr lvl="2"/>
             <a:r>
-              <a:rPr lang="en-US" smtClean="0"/>
+              <a:rPr lang="en-US"/>
               <a:t>Third level</a:t>
             </a:r>
           </a:p>
           <a:p>
             <a:pPr lvl="3"/>
             <a:r>
-              <a:rPr lang="en-US" smtClean="0"/>
+              <a:rPr lang="en-US"/>
               <a:t>Fourth level</a:t>
             </a:r>
           </a:p>
           <a:p>
             <a:pPr lvl="4"/>
             <a:r>
-              <a:rPr lang="en-US" smtClean="0"/>
+              <a:rPr lang="en-US"/>
               <a:t>Fifth level</a:t>
             </a:r>
-            <a:endParaRPr lang="en-US"/>
           </a:p>
         </p:txBody>
       </p:sp>
@@ -1321,38 +1305,37 @@
           <a:p>
             <a:pPr lvl="0"/>
             <a:r>
-              <a:rPr lang="en-US" smtClean="0"/>
+              <a:rPr lang="en-US"/>
               <a:t>Click to edit Master text styles</a:t>
             </a:r>
           </a:p>
           <a:p>
             <a:pPr lvl="1"/>
             <a:r>
-              <a:rPr lang="en-US" smtClean="0"/>
+              <a:rPr lang="en-US"/>
               <a:t>Second level</a:t>
             </a:r>
           </a:p>
           <a:p>
             <a:pPr lvl="2"/>
             <a:r>
-              <a:rPr lang="en-US" smtClean="0"/>
+              <a:rPr lang="en-US"/>
               <a:t>Third level</a:t>
             </a:r>
           </a:p>
           <a:p>
             <a:pPr lvl="3"/>
             <a:r>
-              <a:rPr lang="en-US" smtClean="0"/>
+              <a:rPr lang="en-US"/>
               <a:t>Fourth level</a:t>
             </a:r>
           </a:p>
           <a:p>
             <a:pPr lvl="4"/>
             <a:r>
-              <a:rPr lang="en-US" smtClean="0"/>
+              <a:rPr lang="en-US"/>
               <a:t>Fifth level</a:t>
             </a:r>
-            <a:endParaRPr lang="en-US"/>
           </a:p>
         </p:txBody>
       </p:sp>
@@ -1374,7 +1357,7 @@
             <a:fld id="{1D8BD707-D9CF-40AE-B4C6-C98DA3205C09}" type="datetimeFigureOut">
               <a:rPr lang="en-US" smtClean="0"/>
               <a:pPr/>
-              <a:t>8/1/2011</a:t>
+              <a:t>6/25/2023</a:t>
             </a:fld>
             <a:endParaRPr lang="en-US"/>
           </a:p>
@@ -1468,10 +1451,9 @@
           </a:lstStyle>
           <a:p>
             <a:r>
-              <a:rPr lang="en-US" smtClean="0"/>
+              <a:rPr lang="en-US"/>
               <a:t>Click to edit Master title style</a:t>
             </a:r>
-            <a:endParaRPr lang="en-US"/>
           </a:p>
         </p:txBody>
       </p:sp>
@@ -1534,7 +1516,7 @@
           <a:p>
             <a:pPr lvl="0"/>
             <a:r>
-              <a:rPr lang="en-US" smtClean="0"/>
+              <a:rPr lang="en-US"/>
               <a:t>Click to edit Master text styles</a:t>
             </a:r>
           </a:p>
@@ -1590,38 +1572,37 @@
           <a:p>
             <a:pPr lvl="0"/>
             <a:r>
-              <a:rPr lang="en-US" smtClean="0"/>
+              <a:rPr lang="en-US"/>
               <a:t>Click to edit Master text styles</a:t>
             </a:r>
           </a:p>
           <a:p>
             <a:pPr lvl="1"/>
             <a:r>
-              <a:rPr lang="en-US" smtClean="0"/>
+              <a:rPr lang="en-US"/>
               <a:t>Second level</a:t>
             </a:r>
           </a:p>
           <a:p>
             <a:pPr lvl="2"/>
             <a:r>
-              <a:rPr lang="en-US" smtClean="0"/>
+              <a:rPr lang="en-US"/>
               <a:t>Third level</a:t>
             </a:r>
           </a:p>
           <a:p>
             <a:pPr lvl="3"/>
             <a:r>
-              <a:rPr lang="en-US" smtClean="0"/>
+              <a:rPr lang="en-US"/>
               <a:t>Fourth level</a:t>
             </a:r>
           </a:p>
           <a:p>
             <a:pPr lvl="4"/>
             <a:r>
-              <a:rPr lang="en-US" smtClean="0"/>
+              <a:rPr lang="en-US"/>
               <a:t>Fifth level</a:t>
             </a:r>
-            <a:endParaRPr lang="en-US"/>
           </a:p>
         </p:txBody>
       </p:sp>
@@ -1684,7 +1665,7 @@
           <a:p>
             <a:pPr lvl="0"/>
             <a:r>
-              <a:rPr lang="en-US" smtClean="0"/>
+              <a:rPr lang="en-US"/>
               <a:t>Click to edit Master text styles</a:t>
             </a:r>
           </a:p>
@@ -1740,38 +1721,37 @@
           <a:p>
             <a:pPr lvl="0"/>
             <a:r>
-              <a:rPr lang="en-US" smtClean="0"/>
+              <a:rPr lang="en-US"/>
               <a:t>Click to edit Master text styles</a:t>
             </a:r>
           </a:p>
           <a:p>
             <a:pPr lvl="1"/>
             <a:r>
-              <a:rPr lang="en-US" smtClean="0"/>
+              <a:rPr lang="en-US"/>
               <a:t>Second level</a:t>
             </a:r>
           </a:p>
           <a:p>
             <a:pPr lvl="2"/>
             <a:r>
-              <a:rPr lang="en-US" smtClean="0"/>
+              <a:rPr lang="en-US"/>
               <a:t>Third level</a:t>
             </a:r>
           </a:p>
           <a:p>
             <a:pPr lvl="3"/>
             <a:r>
-              <a:rPr lang="en-US" smtClean="0"/>
+              <a:rPr lang="en-US"/>
               <a:t>Fourth level</a:t>
             </a:r>
           </a:p>
           <a:p>
             <a:pPr lvl="4"/>
             <a:r>
-              <a:rPr lang="en-US" smtClean="0"/>
+              <a:rPr lang="en-US"/>
               <a:t>Fifth level</a:t>
             </a:r>
-            <a:endParaRPr lang="en-US"/>
           </a:p>
         </p:txBody>
       </p:sp>
@@ -1793,7 +1773,7 @@
             <a:fld id="{1D8BD707-D9CF-40AE-B4C6-C98DA3205C09}" type="datetimeFigureOut">
               <a:rPr lang="en-US" smtClean="0"/>
               <a:pPr/>
-              <a:t>8/1/2011</a:t>
+              <a:t>6/25/2023</a:t>
             </a:fld>
             <a:endParaRPr lang="en-US"/>
           </a:p>
@@ -1883,10 +1863,9 @@
           <a:lstStyle/>
           <a:p>
             <a:r>
-              <a:rPr lang="en-US" smtClean="0"/>
+              <a:rPr lang="en-US"/>
               <a:t>Click to edit Master title style</a:t>
             </a:r>
-            <a:endParaRPr lang="en-US"/>
           </a:p>
         </p:txBody>
       </p:sp>
@@ -1908,7 +1887,7 @@
             <a:fld id="{1D8BD707-D9CF-40AE-B4C6-C98DA3205C09}" type="datetimeFigureOut">
               <a:rPr lang="en-US" smtClean="0"/>
               <a:pPr/>
-              <a:t>8/1/2011</a:t>
+              <a:t>6/25/2023</a:t>
             </a:fld>
             <a:endParaRPr lang="en-US"/>
           </a:p>
@@ -2000,7 +1979,7 @@
             <a:fld id="{1D8BD707-D9CF-40AE-B4C6-C98DA3205C09}" type="datetimeFigureOut">
               <a:rPr lang="en-US" smtClean="0"/>
               <a:pPr/>
-              <a:t>8/1/2011</a:t>
+              <a:t>6/25/2023</a:t>
             </a:fld>
             <a:endParaRPr lang="en-US"/>
           </a:p>
@@ -2099,10 +2078,9 @@
           </a:lstStyle>
           <a:p>
             <a:r>
-              <a:rPr lang="en-US" smtClean="0"/>
+              <a:rPr lang="en-US"/>
               <a:t>Click to edit Master title style</a:t>
             </a:r>
-            <a:endParaRPr lang="en-US"/>
           </a:p>
         </p:txBody>
       </p:sp>
@@ -2156,38 +2134,37 @@
           <a:p>
             <a:pPr lvl="0"/>
             <a:r>
-              <a:rPr lang="en-US" smtClean="0"/>
+              <a:rPr lang="en-US"/>
               <a:t>Click to edit Master text styles</a:t>
             </a:r>
           </a:p>
           <a:p>
             <a:pPr lvl="1"/>
             <a:r>
-              <a:rPr lang="en-US" smtClean="0"/>
+              <a:rPr lang="en-US"/>
               <a:t>Second level</a:t>
             </a:r>
           </a:p>
           <a:p>
             <a:pPr lvl="2"/>
             <a:r>
-              <a:rPr lang="en-US" smtClean="0"/>
+              <a:rPr lang="en-US"/>
               <a:t>Third level</a:t>
             </a:r>
           </a:p>
           <a:p>
             <a:pPr lvl="3"/>
             <a:r>
-              <a:rPr lang="en-US" smtClean="0"/>
+              <a:rPr lang="en-US"/>
               <a:t>Fourth level</a:t>
             </a:r>
           </a:p>
           <a:p>
             <a:pPr lvl="4"/>
             <a:r>
-              <a:rPr lang="en-US" smtClean="0"/>
+              <a:rPr lang="en-US"/>
               <a:t>Fifth level</a:t>
             </a:r>
-            <a:endParaRPr lang="en-US"/>
           </a:p>
         </p:txBody>
       </p:sp>
@@ -2250,7 +2227,7 @@
           <a:p>
             <a:pPr lvl="0"/>
             <a:r>
-              <a:rPr lang="en-US" smtClean="0"/>
+              <a:rPr lang="en-US"/>
               <a:t>Click to edit Master text styles</a:t>
             </a:r>
           </a:p>
@@ -2274,7 +2251,7 @@
             <a:fld id="{1D8BD707-D9CF-40AE-B4C6-C98DA3205C09}" type="datetimeFigureOut">
               <a:rPr lang="en-US" smtClean="0"/>
               <a:pPr/>
-              <a:t>8/1/2011</a:t>
+              <a:t>6/25/2023</a:t>
             </a:fld>
             <a:endParaRPr lang="en-US"/>
           </a:p>
@@ -2373,10 +2350,9 @@
           </a:lstStyle>
           <a:p>
             <a:r>
-              <a:rPr lang="en-US" smtClean="0"/>
+              <a:rPr lang="en-US"/>
               <a:t>Click to edit Master title style</a:t>
             </a:r>
-            <a:endParaRPr lang="en-US"/>
           </a:p>
         </p:txBody>
       </p:sp>
@@ -2500,7 +2476,7 @@
           <a:p>
             <a:pPr lvl="0"/>
             <a:r>
-              <a:rPr lang="en-US" smtClean="0"/>
+              <a:rPr lang="en-US"/>
               <a:t>Click to edit Master text styles</a:t>
             </a:r>
           </a:p>
@@ -2524,7 +2500,7 @@
             <a:fld id="{1D8BD707-D9CF-40AE-B4C6-C98DA3205C09}" type="datetimeFigureOut">
               <a:rPr lang="en-US" smtClean="0"/>
               <a:pPr/>
-              <a:t>8/1/2011</a:t>
+              <a:t>6/25/2023</a:t>
             </a:fld>
             <a:endParaRPr lang="en-US"/>
           </a:p>
@@ -2629,10 +2605,9 @@
           <a:lstStyle/>
           <a:p>
             <a:r>
-              <a:rPr lang="en-US" smtClean="0"/>
+              <a:rPr lang="en-US"/>
               <a:t>Click to edit Master title style</a:t>
             </a:r>
-            <a:endParaRPr lang="en-US"/>
           </a:p>
         </p:txBody>
       </p:sp>
@@ -2663,38 +2638,37 @@
           <a:p>
             <a:pPr lvl="0"/>
             <a:r>
-              <a:rPr lang="en-US" smtClean="0"/>
+              <a:rPr lang="en-US"/>
               <a:t>Click to edit Master text styles</a:t>
             </a:r>
           </a:p>
           <a:p>
             <a:pPr lvl="1"/>
             <a:r>
-              <a:rPr lang="en-US" smtClean="0"/>
+              <a:rPr lang="en-US"/>
               <a:t>Second level</a:t>
             </a:r>
           </a:p>
           <a:p>
             <a:pPr lvl="2"/>
             <a:r>
-              <a:rPr lang="en-US" smtClean="0"/>
+              <a:rPr lang="en-US"/>
               <a:t>Third level</a:t>
             </a:r>
           </a:p>
           <a:p>
             <a:pPr lvl="3"/>
             <a:r>
-              <a:rPr lang="en-US" smtClean="0"/>
+              <a:rPr lang="en-US"/>
               <a:t>Fourth level</a:t>
             </a:r>
           </a:p>
           <a:p>
             <a:pPr lvl="4"/>
             <a:r>
-              <a:rPr lang="en-US" smtClean="0"/>
+              <a:rPr lang="en-US"/>
               <a:t>Fifth level</a:t>
             </a:r>
-            <a:endParaRPr lang="en-US"/>
           </a:p>
         </p:txBody>
       </p:sp>
@@ -2734,7 +2708,7 @@
             <a:fld id="{1D8BD707-D9CF-40AE-B4C6-C98DA3205C09}" type="datetimeFigureOut">
               <a:rPr lang="en-US" smtClean="0"/>
               <a:pPr/>
-              <a:t>8/1/2011</a:t>
+              <a:t>6/25/2023</a:t>
             </a:fld>
             <a:endParaRPr lang="en-US"/>
           </a:p>
@@ -3089,7 +3063,7 @@
 </file>
 
 <file path=ppt/slides/slide1.xml><?xml version="1.0" encoding="utf-8"?>
-<p:sld xmlns:p="http://schemas.openxmlformats.org/presentationml/2006/main" xmlns:a="http://schemas.openxmlformats.org/drawingml/2006/main" xmlns:r="http://schemas.openxmlformats.org/officeDocument/2006/relationships">
+<p:sld xmlns:a="http://schemas.openxmlformats.org/drawingml/2006/main" xmlns:r="http://schemas.openxmlformats.org/officeDocument/2006/relationships" xmlns:p="http://schemas.openxmlformats.org/presentationml/2006/main">
   <p:cSld>
     <p:spTree>
       <p:nvGrpSpPr>
@@ -3107,21 +3081,21 @@
       </p:grpSpPr>
       <p:pic>
         <p:nvPicPr>
-          <p:cNvPr name="Picture 2" id="2"/>
+          <p:cNvPr id="2" name="Picture 2"/>
           <p:cNvPicPr>
-            <a:picLocks noChangeAspect="true"/>
+            <a:picLocks noChangeAspect="1"/>
           </p:cNvPicPr>
           <p:nvPr/>
         </p:nvPicPr>
         <p:blipFill>
           <a:blip r:embed="rId2"/>
-          <a:srcRect l="0" t="21875" r="0" b="21875"/>
+          <a:srcRect t="21875" b="21875"/>
           <a:stretch>
             <a:fillRect/>
           </a:stretch>
         </p:blipFill>
         <p:spPr>
-          <a:xfrm flipH="true" flipV="true">
+          <a:xfrm flipH="1" flipV="1">
             <a:off x="0" y="0"/>
             <a:ext cx="18288000" cy="10287000"/>
           </a:xfrm>
@@ -3132,12 +3106,12 @@
       </p:pic>
       <p:sp>
         <p:nvSpPr>
-          <p:cNvPr name="Freeform 3" id="3"/>
+          <p:cNvPr id="3" name="Freeform 3"/>
           <p:cNvSpPr/>
           <p:nvPr/>
         </p:nvSpPr>
         <p:spPr>
-          <a:xfrm flipH="false" flipV="false" rot="1748409">
+          <a:xfrm rot="1748409">
             <a:off x="-1871927" y="7973496"/>
             <a:ext cx="6755091" cy="6130246"/>
           </a:xfrm>
@@ -3146,9 +3120,9 @@
             <a:gdLst/>
             <a:ahLst/>
             <a:cxnLst/>
-            <a:rect r="r" b="b" t="t" l="l"/>
+            <a:rect l="l" t="t" r="r" b="b"/>
             <a:pathLst>
-              <a:path h="6130246" w="6755091">
+              <a:path w="6755091" h="6130246">
                 <a:moveTo>
                   <a:pt x="0" y="0"/>
                 </a:moveTo>
@@ -3171,19 +3145,19 @@
           <a:blipFill>
             <a:blip r:embed="rId3"/>
             <a:stretch>
-              <a:fillRect l="0" t="0" r="0" b="0"/>
+              <a:fillRect/>
             </a:stretch>
           </a:blipFill>
         </p:spPr>
       </p:sp>
       <p:sp>
         <p:nvSpPr>
-          <p:cNvPr name="Freeform 4" id="4"/>
+          <p:cNvPr id="4" name="Freeform 4"/>
           <p:cNvSpPr/>
           <p:nvPr/>
         </p:nvSpPr>
         <p:spPr>
-          <a:xfrm flipH="false" flipV="false" rot="2223819">
+          <a:xfrm rot="2223819">
             <a:off x="10214960" y="-5715833"/>
             <a:ext cx="12596877" cy="11431666"/>
           </a:xfrm>
@@ -3192,9 +3166,9 @@
             <a:gdLst/>
             <a:ahLst/>
             <a:cxnLst/>
-            <a:rect r="r" b="b" t="t" l="l"/>
+            <a:rect l="l" t="t" r="r" b="b"/>
             <a:pathLst>
-              <a:path h="11431666" w="12596877">
+              <a:path w="12596877" h="11431666">
                 <a:moveTo>
                   <a:pt x="0" y="0"/>
                 </a:moveTo>
@@ -3217,19 +3191,19 @@
           <a:blipFill>
             <a:blip r:embed="rId3"/>
             <a:stretch>
-              <a:fillRect l="0" t="0" r="0" b="0"/>
+              <a:fillRect/>
             </a:stretch>
           </a:blipFill>
         </p:spPr>
       </p:sp>
       <p:sp>
         <p:nvSpPr>
-          <p:cNvPr name="Freeform 5" id="5"/>
+          <p:cNvPr id="5" name="Freeform 5"/>
           <p:cNvSpPr/>
           <p:nvPr/>
         </p:nvSpPr>
         <p:spPr>
-          <a:xfrm flipH="false" flipV="false" rot="0">
+          <a:xfrm>
             <a:off x="-1028700" y="-1435399"/>
             <a:ext cx="4114800" cy="4114800"/>
           </a:xfrm>
@@ -3238,9 +3212,9 @@
             <a:gdLst/>
             <a:ahLst/>
             <a:cxnLst/>
-            <a:rect r="r" b="b" t="t" l="l"/>
+            <a:rect l="l" t="t" r="r" b="b"/>
             <a:pathLst>
-              <a:path h="4114800" w="4114800">
+              <a:path w="4114800" h="4114800">
                 <a:moveTo>
                   <a:pt x="0" y="0"/>
                 </a:moveTo>
@@ -3270,19 +3244,19 @@
               </a:extLst>
             </a:blip>
             <a:stretch>
-              <a:fillRect l="0" t="0" r="0" b="0"/>
+              <a:fillRect/>
             </a:stretch>
           </a:blipFill>
         </p:spPr>
       </p:sp>
       <p:sp>
         <p:nvSpPr>
-          <p:cNvPr name="Freeform 6" id="6"/>
+          <p:cNvPr id="6" name="Freeform 6"/>
           <p:cNvSpPr/>
           <p:nvPr/>
         </p:nvSpPr>
         <p:spPr>
-          <a:xfrm flipH="false" flipV="false" rot="-8194833">
+          <a:xfrm rot="-8194833">
             <a:off x="14482979" y="8370874"/>
             <a:ext cx="5020066" cy="5020066"/>
           </a:xfrm>
@@ -3291,9 +3265,9 @@
             <a:gdLst/>
             <a:ahLst/>
             <a:cxnLst/>
-            <a:rect r="r" b="b" t="t" l="l"/>
+            <a:rect l="l" t="t" r="r" b="b"/>
             <a:pathLst>
-              <a:path h="5020066" w="5020066">
+              <a:path w="5020066" h="5020066">
                 <a:moveTo>
                   <a:pt x="0" y="0"/>
                 </a:moveTo>
@@ -3323,19 +3297,19 @@
               </a:extLst>
             </a:blip>
             <a:stretch>
-              <a:fillRect l="0" t="0" r="0" b="0"/>
+              <a:fillRect/>
             </a:stretch>
           </a:blipFill>
         </p:spPr>
       </p:sp>
       <p:sp>
         <p:nvSpPr>
-          <p:cNvPr name="TextBox 7" id="7"/>
-          <p:cNvSpPr txBox="true"/>
+          <p:cNvPr id="7" name="TextBox 7"/>
+          <p:cNvSpPr txBox="1"/>
           <p:nvPr/>
         </p:nvSpPr>
         <p:spPr>
-          <a:xfrm rot="0">
+          <a:xfrm>
             <a:off x="1674634" y="4512209"/>
             <a:ext cx="8547187" cy="2254666"/>
           </a:xfrm>
@@ -3344,7 +3318,7 @@
           </a:prstGeom>
         </p:spPr>
         <p:txBody>
-          <a:bodyPr anchor="t" rtlCol="false" tIns="0" lIns="0" bIns="0" rIns="0">
+          <a:bodyPr lIns="0" tIns="0" rIns="0" bIns="0" rtlCol="0" anchor="t">
             <a:spAutoFit/>
           </a:bodyPr>
           <a:lstStyle/>
@@ -3368,12 +3342,12 @@
       </p:sp>
       <p:sp>
         <p:nvSpPr>
-          <p:cNvPr name="TextBox 8" id="8"/>
-          <p:cNvSpPr txBox="true"/>
+          <p:cNvPr id="8" name="TextBox 8"/>
+          <p:cNvSpPr txBox="1"/>
           <p:nvPr/>
         </p:nvSpPr>
         <p:spPr>
-          <a:xfrm rot="0">
+          <a:xfrm>
             <a:off x="1674634" y="3432013"/>
             <a:ext cx="8547187" cy="1308795"/>
           </a:xfrm>
@@ -3382,7 +3356,7 @@
           </a:prstGeom>
         </p:spPr>
         <p:txBody>
-          <a:bodyPr anchor="t" rtlCol="false" tIns="0" lIns="0" bIns="0" rIns="0">
+          <a:bodyPr lIns="0" tIns="0" rIns="0" bIns="0" rtlCol="0" anchor="t">
             <a:spAutoFit/>
           </a:bodyPr>
           <a:lstStyle/>
@@ -3406,12 +3380,12 @@
       </p:sp>
       <p:sp>
         <p:nvSpPr>
-          <p:cNvPr name="TextBox 9" id="9"/>
-          <p:cNvSpPr txBox="true"/>
+          <p:cNvPr id="9" name="TextBox 9"/>
+          <p:cNvSpPr txBox="1"/>
           <p:nvPr/>
         </p:nvSpPr>
         <p:spPr>
-          <a:xfrm rot="0">
+          <a:xfrm>
             <a:off x="1691593" y="6716757"/>
             <a:ext cx="7827699" cy="435778"/>
           </a:xfrm>
@@ -3420,12 +3394,12 @@
           </a:prstGeom>
         </p:spPr>
         <p:txBody>
-          <a:bodyPr anchor="t" rtlCol="false" tIns="0" lIns="0" bIns="0" rIns="0">
+          <a:bodyPr lIns="0" tIns="0" rIns="0" bIns="0" rtlCol="0" anchor="t">
             <a:spAutoFit/>
           </a:bodyPr>
           <a:lstStyle/>
           <a:p>
-            <a:pPr algn="l" marL="0" indent="0" lvl="0">
+            <a:pPr marL="0" lvl="0" indent="0" algn="l">
               <a:lnSpc>
                 <a:spcPts val="3583"/>
               </a:lnSpc>
@@ -3454,7 +3428,7 @@
 </file>
 
 <file path=ppt/slides/slide2.xml><?xml version="1.0" encoding="utf-8"?>
-<p:sld xmlns:p="http://schemas.openxmlformats.org/presentationml/2006/main" xmlns:a="http://schemas.openxmlformats.org/drawingml/2006/main" xmlns:r="http://schemas.openxmlformats.org/officeDocument/2006/relationships">
+<p:sld xmlns:a="http://schemas.openxmlformats.org/drawingml/2006/main" xmlns:r="http://schemas.openxmlformats.org/officeDocument/2006/relationships" xmlns:p="http://schemas.openxmlformats.org/presentationml/2006/main">
   <p:cSld>
     <p:spTree>
       <p:nvGrpSpPr>
@@ -3472,21 +3446,21 @@
       </p:grpSpPr>
       <p:pic>
         <p:nvPicPr>
-          <p:cNvPr name="Picture 2" id="2"/>
+          <p:cNvPr id="2" name="Picture 2"/>
           <p:cNvPicPr>
-            <a:picLocks noChangeAspect="true"/>
+            <a:picLocks noChangeAspect="1"/>
           </p:cNvPicPr>
           <p:nvPr/>
         </p:nvPicPr>
         <p:blipFill>
           <a:blip r:embed="rId2"/>
-          <a:srcRect l="0" t="21875" r="0" b="21875"/>
+          <a:srcRect t="21875" b="21875"/>
           <a:stretch>
             <a:fillRect/>
           </a:stretch>
         </p:blipFill>
         <p:spPr>
-          <a:xfrm flipH="true" flipV="true">
+          <a:xfrm flipH="1" flipV="1">
             <a:off x="0" y="0"/>
             <a:ext cx="18288000" cy="10287000"/>
           </a:xfrm>
@@ -3497,12 +3471,12 @@
       </p:pic>
       <p:sp>
         <p:nvSpPr>
-          <p:cNvPr name="Freeform 3" id="3"/>
+          <p:cNvPr id="3" name="Freeform 3"/>
           <p:cNvSpPr/>
           <p:nvPr/>
         </p:nvSpPr>
         <p:spPr>
-          <a:xfrm flipH="false" flipV="false" rot="0">
+          <a:xfrm>
             <a:off x="-689719" y="-1276542"/>
             <a:ext cx="2556280" cy="2553085"/>
           </a:xfrm>
@@ -3511,9 +3485,9 @@
             <a:gdLst/>
             <a:ahLst/>
             <a:cxnLst/>
-            <a:rect r="r" b="b" t="t" l="l"/>
+            <a:rect l="l" t="t" r="r" b="b"/>
             <a:pathLst>
-              <a:path h="2553085" w="2556280">
+              <a:path w="2556280" h="2553085">
                 <a:moveTo>
                   <a:pt x="0" y="0"/>
                 </a:moveTo>
@@ -3536,21 +3510,21 @@
           <a:blipFill>
             <a:blip r:embed="rId3"/>
             <a:stretch>
-              <a:fillRect l="0" t="0" r="0" b="0"/>
+              <a:fillRect/>
             </a:stretch>
           </a:blipFill>
         </p:spPr>
       </p:sp>
       <p:grpSp>
         <p:nvGrpSpPr>
-          <p:cNvPr name="Group 4" id="4"/>
+          <p:cNvPr id="4" name="Group 4"/>
           <p:cNvGrpSpPr>
-            <a:grpSpLocks noChangeAspect="true"/>
+            <a:grpSpLocks noChangeAspect="1"/>
           </p:cNvGrpSpPr>
           <p:nvPr/>
         </p:nvGrpSpPr>
         <p:grpSpPr>
-          <a:xfrm rot="0">
+          <a:xfrm>
             <a:off x="9589607" y="0"/>
             <a:ext cx="8698393" cy="10400373"/>
             <a:chOff x="0" y="0"/>
@@ -3559,12 +3533,12 @@
         </p:grpSpPr>
         <p:sp>
           <p:nvSpPr>
-            <p:cNvPr name="Freeform 5" id="5"/>
+            <p:cNvPr id="5" name="Freeform 5"/>
             <p:cNvSpPr/>
             <p:nvPr/>
           </p:nvSpPr>
           <p:spPr>
-            <a:xfrm flipH="false" flipV="false" rot="0">
+            <a:xfrm>
               <a:off x="-2794" y="-128"/>
               <a:ext cx="8606155" cy="10286874"/>
             </a:xfrm>
@@ -3573,9 +3547,9 @@
               <a:gdLst/>
               <a:ahLst/>
               <a:cxnLst/>
-              <a:rect r="r" b="b" t="t" l="l"/>
+              <a:rect l="l" t="t" r="r" b="b"/>
               <a:pathLst>
-                <a:path h="10286874" w="8606155">
+                <a:path w="8606155" h="10286874">
                   <a:moveTo>
                     <a:pt x="8606155" y="10251441"/>
                   </a:moveTo>
@@ -3641,7 +3615,7 @@
             <a:blipFill>
               <a:blip r:embed="rId4"/>
               <a:stretch>
-                <a:fillRect l="-11647" t="0" r="-11647" b="0"/>
+                <a:fillRect l="-11647" r="-11647"/>
               </a:stretch>
             </a:blipFill>
           </p:spPr>
@@ -3649,12 +3623,12 @@
       </p:grpSp>
       <p:sp>
         <p:nvSpPr>
-          <p:cNvPr name="Freeform 6" id="6"/>
+          <p:cNvPr id="6" name="Freeform 6"/>
           <p:cNvSpPr/>
           <p:nvPr/>
         </p:nvSpPr>
         <p:spPr>
-          <a:xfrm flipH="false" flipV="false" rot="0">
+          <a:xfrm>
             <a:off x="7584476" y="8616204"/>
             <a:ext cx="4010261" cy="4005248"/>
           </a:xfrm>
@@ -3663,9 +3637,9 @@
             <a:gdLst/>
             <a:ahLst/>
             <a:cxnLst/>
-            <a:rect r="r" b="b" t="t" l="l"/>
+            <a:rect l="l" t="t" r="r" b="b"/>
             <a:pathLst>
-              <a:path h="4005248" w="4010261">
+              <a:path w="4010261" h="4005248">
                 <a:moveTo>
                   <a:pt x="0" y="0"/>
                 </a:moveTo>
@@ -3688,19 +3662,19 @@
           <a:blipFill>
             <a:blip r:embed="rId3"/>
             <a:stretch>
-              <a:fillRect l="0" t="0" r="0" b="0"/>
+              <a:fillRect/>
             </a:stretch>
           </a:blipFill>
         </p:spPr>
       </p:sp>
       <p:sp>
         <p:nvSpPr>
-          <p:cNvPr name="Freeform 7" id="7"/>
+          <p:cNvPr id="7" name="Freeform 7"/>
           <p:cNvSpPr/>
           <p:nvPr/>
         </p:nvSpPr>
         <p:spPr>
-          <a:xfrm flipH="false" flipV="false" rot="0">
+          <a:xfrm>
             <a:off x="-855821" y="7696585"/>
             <a:ext cx="4114800" cy="4114800"/>
           </a:xfrm>
@@ -3709,9 +3683,9 @@
             <a:gdLst/>
             <a:ahLst/>
             <a:cxnLst/>
-            <a:rect r="r" b="b" t="t" l="l"/>
+            <a:rect l="l" t="t" r="r" b="b"/>
             <a:pathLst>
-              <a:path h="4114800" w="4114800">
+              <a:path w="4114800" h="4114800">
                 <a:moveTo>
                   <a:pt x="0" y="0"/>
                 </a:moveTo>
@@ -3741,19 +3715,19 @@
               </a:extLst>
             </a:blip>
             <a:stretch>
-              <a:fillRect l="0" t="0" r="0" b="0"/>
+              <a:fillRect/>
             </a:stretch>
           </a:blipFill>
         </p:spPr>
       </p:sp>
       <p:sp>
         <p:nvSpPr>
-          <p:cNvPr name="Freeform 8" id="8"/>
+          <p:cNvPr id="8" name="Freeform 8"/>
           <p:cNvSpPr/>
           <p:nvPr/>
         </p:nvSpPr>
         <p:spPr>
-          <a:xfrm flipH="false" flipV="false" rot="0">
+          <a:xfrm>
             <a:off x="14792965" y="5143500"/>
             <a:ext cx="8083465" cy="8073361"/>
           </a:xfrm>
@@ -3762,9 +3736,9 @@
             <a:gdLst/>
             <a:ahLst/>
             <a:cxnLst/>
-            <a:rect r="r" b="b" t="t" l="l"/>
+            <a:rect l="l" t="t" r="r" b="b"/>
             <a:pathLst>
-              <a:path h="8073361" w="8083465">
+              <a:path w="8083465" h="8073361">
                 <a:moveTo>
                   <a:pt x="0" y="0"/>
                 </a:moveTo>
@@ -3787,19 +3761,19 @@
           <a:blipFill>
             <a:blip r:embed="rId3"/>
             <a:stretch>
-              <a:fillRect l="0" t="0" r="0" b="0"/>
+              <a:fillRect/>
             </a:stretch>
           </a:blipFill>
         </p:spPr>
       </p:sp>
       <p:sp>
         <p:nvSpPr>
-          <p:cNvPr name="TextBox 9" id="9"/>
-          <p:cNvSpPr txBox="true"/>
+          <p:cNvPr id="9" name="TextBox 9"/>
+          <p:cNvSpPr txBox="1"/>
           <p:nvPr/>
         </p:nvSpPr>
         <p:spPr>
-          <a:xfrm rot="0">
+          <a:xfrm>
             <a:off x="2986643" y="2995865"/>
             <a:ext cx="5189556" cy="881487"/>
           </a:xfrm>
@@ -3808,7 +3782,7 @@
           </a:prstGeom>
         </p:spPr>
         <p:txBody>
-          <a:bodyPr anchor="t" rtlCol="false" tIns="0" lIns="0" bIns="0" rIns="0">
+          <a:bodyPr lIns="0" tIns="0" rIns="0" bIns="0" rtlCol="0" anchor="t">
             <a:spAutoFit/>
           </a:bodyPr>
           <a:lstStyle/>
@@ -3832,12 +3806,12 @@
       </p:sp>
       <p:sp>
         <p:nvSpPr>
-          <p:cNvPr name="TextBox 10" id="10"/>
-          <p:cNvSpPr txBox="true"/>
+          <p:cNvPr id="10" name="TextBox 10"/>
+          <p:cNvSpPr txBox="1"/>
           <p:nvPr/>
         </p:nvSpPr>
         <p:spPr>
-          <a:xfrm rot="0">
+          <a:xfrm>
             <a:off x="2986643" y="4460215"/>
             <a:ext cx="6157357" cy="1621292"/>
           </a:xfrm>
@@ -3846,7 +3820,7 @@
           </a:prstGeom>
         </p:spPr>
         <p:txBody>
-          <a:bodyPr anchor="t" rtlCol="false" tIns="0" lIns="0" bIns="0" rIns="0">
+          <a:bodyPr lIns="0" tIns="0" rIns="0" bIns="0" rtlCol="0" anchor="t">
             <a:spAutoFit/>
           </a:bodyPr>
           <a:lstStyle/>
@@ -3877,7 +3851,7 @@
 </file>
 
 <file path=ppt/slides/slide3.xml><?xml version="1.0" encoding="utf-8"?>
-<p:sld xmlns:p="http://schemas.openxmlformats.org/presentationml/2006/main" xmlns:a="http://schemas.openxmlformats.org/drawingml/2006/main" xmlns:r="http://schemas.openxmlformats.org/officeDocument/2006/relationships">
+<p:sld xmlns:a="http://schemas.openxmlformats.org/drawingml/2006/main" xmlns:r="http://schemas.openxmlformats.org/officeDocument/2006/relationships" xmlns:p="http://schemas.openxmlformats.org/presentationml/2006/main">
   <p:cSld>
     <p:spTree>
       <p:nvGrpSpPr>
@@ -3895,21 +3869,21 @@
       </p:grpSpPr>
       <p:pic>
         <p:nvPicPr>
-          <p:cNvPr name="Picture 2" id="2"/>
+          <p:cNvPr id="2" name="Picture 2"/>
           <p:cNvPicPr>
-            <a:picLocks noChangeAspect="true"/>
+            <a:picLocks noChangeAspect="1"/>
           </p:cNvPicPr>
           <p:nvPr/>
         </p:nvPicPr>
         <p:blipFill>
           <a:blip r:embed="rId2"/>
-          <a:srcRect l="0" t="21875" r="0" b="21875"/>
+          <a:srcRect t="21875" b="21875"/>
           <a:stretch>
             <a:fillRect/>
           </a:stretch>
         </p:blipFill>
         <p:spPr>
-          <a:xfrm flipH="false" flipV="true">
+          <a:xfrm flipV="1">
             <a:off x="0" y="0"/>
             <a:ext cx="18288000" cy="10287000"/>
           </a:xfrm>
@@ -3920,12 +3894,12 @@
       </p:pic>
       <p:sp>
         <p:nvSpPr>
-          <p:cNvPr name="Freeform 3" id="3"/>
+          <p:cNvPr id="3" name="Freeform 3"/>
           <p:cNvSpPr/>
           <p:nvPr/>
         </p:nvSpPr>
         <p:spPr>
-          <a:xfrm flipH="false" flipV="false" rot="0">
+          <a:xfrm>
             <a:off x="13342879" y="-6480576"/>
             <a:ext cx="9641780" cy="9629727"/>
           </a:xfrm>
@@ -3934,9 +3908,9 @@
             <a:gdLst/>
             <a:ahLst/>
             <a:cxnLst/>
-            <a:rect r="r" b="b" t="t" l="l"/>
+            <a:rect l="l" t="t" r="r" b="b"/>
             <a:pathLst>
-              <a:path h="9629727" w="9641780">
+              <a:path w="9641780" h="9629727">
                 <a:moveTo>
                   <a:pt x="0" y="0"/>
                 </a:moveTo>
@@ -3959,19 +3933,19 @@
           <a:blipFill>
             <a:blip r:embed="rId3"/>
             <a:stretch>
-              <a:fillRect l="0" t="0" r="0" b="0"/>
+              <a:fillRect/>
             </a:stretch>
           </a:blipFill>
         </p:spPr>
       </p:sp>
       <p:sp>
         <p:nvSpPr>
-          <p:cNvPr name="Freeform 4" id="4"/>
+          <p:cNvPr id="4" name="Freeform 4"/>
           <p:cNvSpPr/>
           <p:nvPr/>
         </p:nvSpPr>
         <p:spPr>
-          <a:xfrm flipH="false" flipV="false" rot="0">
+          <a:xfrm>
             <a:off x="15789970" y="7909420"/>
             <a:ext cx="1469330" cy="1421243"/>
           </a:xfrm>
@@ -3980,9 +3954,9 @@
             <a:gdLst/>
             <a:ahLst/>
             <a:cxnLst/>
-            <a:rect r="r" b="b" t="t" l="l"/>
+            <a:rect l="l" t="t" r="r" b="b"/>
             <a:pathLst>
-              <a:path h="1421243" w="1469330">
+              <a:path w="1469330" h="1421243">
                 <a:moveTo>
                   <a:pt x="0" y="0"/>
                 </a:moveTo>
@@ -4011,14 +3985,14 @@
               </a:extLst>
             </a:blip>
             <a:stretch>
-              <a:fillRect l="0" t="0" r="0" b="0"/>
+              <a:fillRect/>
             </a:stretch>
           </a:blipFill>
         </p:spPr>
       </p:sp>
       <p:sp>
         <p:nvSpPr>
-          <p:cNvPr name="AutoShape 5" id="5"/>
+          <p:cNvPr id="5" name="AutoShape 5"/>
           <p:cNvSpPr/>
           <p:nvPr/>
         </p:nvSpPr>
@@ -4030,24 +4004,24 @@
           <a:prstGeom prst="line">
             <a:avLst/>
           </a:prstGeom>
-          <a:ln cap="flat" w="38100">
+          <a:ln w="38100" cap="flat">
             <a:solidFill>
               <a:srgbClr val="FFFFFF"/>
             </a:solidFill>
             <a:prstDash val="solid"/>
-            <a:headEnd type="none" len="sm" w="sm"/>
-            <a:tailEnd type="none" len="sm" w="sm"/>
+            <a:headEnd type="none" w="sm" len="sm"/>
+            <a:tailEnd type="none" w="sm" len="sm"/>
           </a:ln>
         </p:spPr>
       </p:sp>
       <p:sp>
         <p:nvSpPr>
-          <p:cNvPr name="Freeform 6" id="6"/>
+          <p:cNvPr id="6" name="Freeform 6"/>
           <p:cNvSpPr/>
           <p:nvPr/>
         </p:nvSpPr>
         <p:spPr>
-          <a:xfrm flipH="false" flipV="false" rot="0">
+          <a:xfrm>
             <a:off x="-4327715" y="6542790"/>
             <a:ext cx="9641780" cy="9629727"/>
           </a:xfrm>
@@ -4056,9 +4030,9 @@
             <a:gdLst/>
             <a:ahLst/>
             <a:cxnLst/>
-            <a:rect r="r" b="b" t="t" l="l"/>
+            <a:rect l="l" t="t" r="r" b="b"/>
             <a:pathLst>
-              <a:path h="9629727" w="9641780">
+              <a:path w="9641780" h="9629727">
                 <a:moveTo>
                   <a:pt x="0" y="0"/>
                 </a:moveTo>
@@ -4081,19 +4055,19 @@
           <a:blipFill>
             <a:blip r:embed="rId3"/>
             <a:stretch>
-              <a:fillRect l="0" t="0" r="0" b="0"/>
+              <a:fillRect/>
             </a:stretch>
           </a:blipFill>
         </p:spPr>
       </p:sp>
       <p:sp>
         <p:nvSpPr>
-          <p:cNvPr name="Freeform 7" id="7"/>
+          <p:cNvPr id="7" name="Freeform 7"/>
           <p:cNvSpPr/>
           <p:nvPr/>
         </p:nvSpPr>
         <p:spPr>
-          <a:xfrm flipH="false" flipV="false" rot="0">
+          <a:xfrm>
             <a:off x="1911427" y="3691240"/>
             <a:ext cx="3435036" cy="918091"/>
           </a:xfrm>
@@ -4102,9 +4076,9 @@
             <a:gdLst/>
             <a:ahLst/>
             <a:cxnLst/>
-            <a:rect r="r" b="b" t="t" l="l"/>
+            <a:rect l="l" t="t" r="r" b="b"/>
             <a:pathLst>
-              <a:path h="918091" w="3435036">
+              <a:path w="3435036" h="918091">
                 <a:moveTo>
                   <a:pt x="0" y="0"/>
                 </a:moveTo>
@@ -4133,19 +4107,19 @@
               </a:extLst>
             </a:blip>
             <a:stretch>
-              <a:fillRect l="0" t="0" r="0" b="0"/>
+              <a:fillRect/>
             </a:stretch>
           </a:blipFill>
         </p:spPr>
       </p:sp>
       <p:sp>
         <p:nvSpPr>
-          <p:cNvPr name="Freeform 8" id="8"/>
+          <p:cNvPr id="8" name="Freeform 8"/>
           <p:cNvSpPr/>
           <p:nvPr/>
         </p:nvSpPr>
         <p:spPr>
-          <a:xfrm flipH="false" flipV="false" rot="0">
+          <a:xfrm>
             <a:off x="8438256" y="3425953"/>
             <a:ext cx="1677182" cy="1448666"/>
           </a:xfrm>
@@ -4154,9 +4128,9 @@
             <a:gdLst/>
             <a:ahLst/>
             <a:cxnLst/>
-            <a:rect r="r" b="b" t="t" l="l"/>
+            <a:rect l="l" t="t" r="r" b="b"/>
             <a:pathLst>
-              <a:path h="1448666" w="1677182">
+              <a:path w="1677182" h="1448666">
                 <a:moveTo>
                   <a:pt x="0" y="0"/>
                 </a:moveTo>
@@ -4185,14 +4159,14 @@
               </a:extLst>
             </a:blip>
             <a:stretch>
-              <a:fillRect l="0" t="0" r="0" b="0"/>
+              <a:fillRect/>
             </a:stretch>
           </a:blipFill>
         </p:spPr>
       </p:sp>
       <p:sp>
         <p:nvSpPr>
-          <p:cNvPr name="AutoShape 9" id="9"/>
+          <p:cNvPr id="9" name="AutoShape 9"/>
           <p:cNvSpPr/>
           <p:nvPr/>
         </p:nvSpPr>
@@ -4204,24 +4178,24 @@
           <a:prstGeom prst="line">
             <a:avLst/>
           </a:prstGeom>
-          <a:ln cap="flat" w="38100">
+          <a:ln w="38100" cap="flat">
             <a:solidFill>
               <a:srgbClr val="FFFFFF"/>
             </a:solidFill>
             <a:prstDash val="solid"/>
-            <a:headEnd type="none" len="sm" w="sm"/>
-            <a:tailEnd type="none" len="sm" w="sm"/>
+            <a:headEnd type="none" w="sm" len="sm"/>
+            <a:tailEnd type="none" w="sm" len="sm"/>
           </a:ln>
         </p:spPr>
       </p:sp>
       <p:sp>
         <p:nvSpPr>
-          <p:cNvPr name="Freeform 10" id="10"/>
+          <p:cNvPr id="10" name="Freeform 10"/>
           <p:cNvSpPr/>
           <p:nvPr/>
         </p:nvSpPr>
         <p:spPr>
-          <a:xfrm flipH="false" flipV="false" rot="0">
+          <a:xfrm>
             <a:off x="13823610" y="3258383"/>
             <a:ext cx="3075882" cy="1616236"/>
           </a:xfrm>
@@ -4230,9 +4204,9 @@
             <a:gdLst/>
             <a:ahLst/>
             <a:cxnLst/>
-            <a:rect r="r" b="b" t="t" l="l"/>
+            <a:rect l="l" t="t" r="r" b="b"/>
             <a:pathLst>
-              <a:path h="1616236" w="3075882">
+              <a:path w="3075882" h="1616236">
                 <a:moveTo>
                   <a:pt x="0" y="0"/>
                 </a:moveTo>
@@ -4261,19 +4235,19 @@
               </a:extLst>
             </a:blip>
             <a:stretch>
-              <a:fillRect l="0" t="0" r="0" b="0"/>
+              <a:fillRect/>
             </a:stretch>
           </a:blipFill>
         </p:spPr>
       </p:sp>
       <p:sp>
         <p:nvSpPr>
-          <p:cNvPr name="TextBox 11" id="11"/>
-          <p:cNvSpPr txBox="true"/>
+          <p:cNvPr id="11" name="TextBox 11"/>
+          <p:cNvSpPr txBox="1"/>
           <p:nvPr/>
         </p:nvSpPr>
         <p:spPr>
-          <a:xfrm rot="0">
+          <a:xfrm>
             <a:off x="2279652" y="5812874"/>
             <a:ext cx="3066811" cy="310525"/>
           </a:xfrm>
@@ -4282,7 +4256,7 @@
           </a:prstGeom>
         </p:spPr>
         <p:txBody>
-          <a:bodyPr anchor="t" rtlCol="false" tIns="0" lIns="0" bIns="0" rIns="0">
+          <a:bodyPr lIns="0" tIns="0" rIns="0" bIns="0" rtlCol="0" anchor="t">
             <a:spAutoFit/>
           </a:bodyPr>
           <a:lstStyle/>
@@ -4306,12 +4280,12 @@
       </p:sp>
       <p:sp>
         <p:nvSpPr>
-          <p:cNvPr name="TextBox 12" id="12"/>
-          <p:cNvSpPr txBox="true"/>
+          <p:cNvPr id="12" name="TextBox 12"/>
+          <p:cNvSpPr txBox="1"/>
           <p:nvPr/>
         </p:nvSpPr>
         <p:spPr>
-          <a:xfrm rot="0">
+          <a:xfrm>
             <a:off x="6457520" y="1560523"/>
             <a:ext cx="5372960" cy="898504"/>
           </a:xfrm>
@@ -4320,7 +4294,7 @@
           </a:prstGeom>
         </p:spPr>
         <p:txBody>
-          <a:bodyPr anchor="t" rtlCol="false" tIns="0" lIns="0" bIns="0" rIns="0">
+          <a:bodyPr lIns="0" tIns="0" rIns="0" bIns="0" rtlCol="0" anchor="t">
             <a:spAutoFit/>
           </a:bodyPr>
           <a:lstStyle/>
@@ -4344,12 +4318,12 @@
       </p:sp>
       <p:sp>
         <p:nvSpPr>
-          <p:cNvPr name="TextBox 13" id="13"/>
-          <p:cNvSpPr txBox="true"/>
+          <p:cNvPr id="13" name="TextBox 13"/>
+          <p:cNvSpPr txBox="1"/>
           <p:nvPr/>
         </p:nvSpPr>
         <p:spPr>
-          <a:xfrm rot="0">
+          <a:xfrm>
             <a:off x="2126492" y="5080787"/>
             <a:ext cx="3413332" cy="576966"/>
           </a:xfrm>
@@ -4358,7 +4332,7 @@
           </a:prstGeom>
         </p:spPr>
         <p:txBody>
-          <a:bodyPr anchor="t" rtlCol="false" tIns="0" lIns="0" bIns="0" rIns="0">
+          <a:bodyPr lIns="0" tIns="0" rIns="0" bIns="0" rtlCol="0" anchor="t">
             <a:spAutoFit/>
           </a:bodyPr>
           <a:lstStyle/>
@@ -4382,12 +4356,12 @@
       </p:sp>
       <p:sp>
         <p:nvSpPr>
-          <p:cNvPr name="TextBox 14" id="14"/>
-          <p:cNvSpPr txBox="true"/>
+          <p:cNvPr id="14" name="TextBox 14"/>
+          <p:cNvSpPr txBox="1"/>
           <p:nvPr/>
         </p:nvSpPr>
         <p:spPr>
-          <a:xfrm rot="0">
+          <a:xfrm>
             <a:off x="7743441" y="5812874"/>
             <a:ext cx="3066811" cy="310525"/>
           </a:xfrm>
@@ -4396,7 +4370,7 @@
           </a:prstGeom>
         </p:spPr>
         <p:txBody>
-          <a:bodyPr anchor="t" rtlCol="false" tIns="0" lIns="0" bIns="0" rIns="0">
+          <a:bodyPr lIns="0" tIns="0" rIns="0" bIns="0" rtlCol="0" anchor="t">
             <a:spAutoFit/>
           </a:bodyPr>
           <a:lstStyle/>
@@ -4420,12 +4394,12 @@
       </p:sp>
       <p:sp>
         <p:nvSpPr>
-          <p:cNvPr name="TextBox 15" id="15"/>
-          <p:cNvSpPr txBox="true"/>
+          <p:cNvPr id="15" name="TextBox 15"/>
+          <p:cNvSpPr txBox="1"/>
           <p:nvPr/>
         </p:nvSpPr>
         <p:spPr>
-          <a:xfrm rot="0">
+          <a:xfrm>
             <a:off x="7590281" y="5080787"/>
             <a:ext cx="3413332" cy="576966"/>
           </a:xfrm>
@@ -4434,7 +4408,7 @@
           </a:prstGeom>
         </p:spPr>
         <p:txBody>
-          <a:bodyPr anchor="t" rtlCol="false" tIns="0" lIns="0" bIns="0" rIns="0">
+          <a:bodyPr lIns="0" tIns="0" rIns="0" bIns="0" rtlCol="0" anchor="t">
             <a:spAutoFit/>
           </a:bodyPr>
           <a:lstStyle/>
@@ -4458,12 +4432,12 @@
       </p:sp>
       <p:sp>
         <p:nvSpPr>
-          <p:cNvPr name="TextBox 16" id="16"/>
-          <p:cNvSpPr txBox="true"/>
+          <p:cNvPr id="16" name="TextBox 16"/>
+          <p:cNvSpPr txBox="1"/>
           <p:nvPr/>
         </p:nvSpPr>
         <p:spPr>
-          <a:xfrm rot="0">
+          <a:xfrm>
             <a:off x="13486160" y="5080787"/>
             <a:ext cx="3413332" cy="576966"/>
           </a:xfrm>
@@ -4472,7 +4446,7 @@
           </a:prstGeom>
         </p:spPr>
         <p:txBody>
-          <a:bodyPr anchor="t" rtlCol="false" tIns="0" lIns="0" bIns="0" rIns="0">
+          <a:bodyPr lIns="0" tIns="0" rIns="0" bIns="0" rtlCol="0" anchor="t">
             <a:spAutoFit/>
           </a:bodyPr>
           <a:lstStyle/>
@@ -4496,12 +4470,12 @@
       </p:sp>
       <p:sp>
         <p:nvSpPr>
-          <p:cNvPr name="TextBox 17" id="17"/>
-          <p:cNvSpPr txBox="true"/>
+          <p:cNvPr id="17" name="TextBox 17"/>
+          <p:cNvSpPr txBox="1"/>
           <p:nvPr/>
         </p:nvSpPr>
         <p:spPr>
-          <a:xfrm rot="0">
+          <a:xfrm>
             <a:off x="13638560" y="5812874"/>
             <a:ext cx="3066811" cy="310525"/>
           </a:xfrm>
@@ -4510,7 +4484,7 @@
           </a:prstGeom>
         </p:spPr>
         <p:txBody>
-          <a:bodyPr anchor="t" rtlCol="false" tIns="0" lIns="0" bIns="0" rIns="0">
+          <a:bodyPr lIns="0" tIns="0" rIns="0" bIns="0" rtlCol="0" anchor="t">
             <a:spAutoFit/>
           </a:bodyPr>
           <a:lstStyle/>
@@ -4541,7 +4515,7 @@
 </file>
 
 <file path=ppt/slides/slide4.xml><?xml version="1.0" encoding="utf-8"?>
-<p:sld xmlns:p="http://schemas.openxmlformats.org/presentationml/2006/main" xmlns:a="http://schemas.openxmlformats.org/drawingml/2006/main" xmlns:r="http://schemas.openxmlformats.org/officeDocument/2006/relationships">
+<p:sld xmlns:a="http://schemas.openxmlformats.org/drawingml/2006/main" xmlns:r="http://schemas.openxmlformats.org/officeDocument/2006/relationships" xmlns:p="http://schemas.openxmlformats.org/presentationml/2006/main">
   <p:cSld>
     <p:spTree>
       <p:nvGrpSpPr>
@@ -4559,21 +4533,21 @@
       </p:grpSpPr>
       <p:pic>
         <p:nvPicPr>
-          <p:cNvPr name="Picture 2" id="2"/>
+          <p:cNvPr id="2" name="Picture 2"/>
           <p:cNvPicPr>
-            <a:picLocks noChangeAspect="true"/>
+            <a:picLocks noChangeAspect="1"/>
           </p:cNvPicPr>
           <p:nvPr/>
         </p:nvPicPr>
         <p:blipFill>
           <a:blip r:embed="rId2"/>
-          <a:srcRect l="0" t="21875" r="0" b="21875"/>
+          <a:srcRect t="21875" b="21875"/>
           <a:stretch>
             <a:fillRect/>
           </a:stretch>
         </p:blipFill>
         <p:spPr>
-          <a:xfrm flipH="false" flipV="true">
+          <a:xfrm flipV="1">
             <a:off x="0" y="0"/>
             <a:ext cx="18288000" cy="10287000"/>
           </a:xfrm>
@@ -4584,12 +4558,12 @@
       </p:pic>
       <p:grpSp>
         <p:nvGrpSpPr>
-          <p:cNvPr name="Group 3" id="3"/>
+          <p:cNvPr id="3" name="Group 3"/>
           <p:cNvGrpSpPr/>
           <p:nvPr/>
         </p:nvGrpSpPr>
         <p:grpSpPr>
-          <a:xfrm rot="0">
+          <a:xfrm>
             <a:off x="37424" y="5365097"/>
             <a:ext cx="18288000" cy="4921903"/>
             <a:chOff x="0" y="0"/>
@@ -4598,12 +4572,12 @@
         </p:grpSpPr>
         <p:sp>
           <p:nvSpPr>
-            <p:cNvPr name="Freeform 4" id="4"/>
+            <p:cNvPr id="4" name="Freeform 4"/>
             <p:cNvSpPr/>
             <p:nvPr/>
           </p:nvSpPr>
           <p:spPr>
-            <a:xfrm flipH="false" flipV="false" rot="0">
+            <a:xfrm>
               <a:off x="0" y="0"/>
               <a:ext cx="4816592" cy="1296304"/>
             </a:xfrm>
@@ -4612,9 +4586,9 @@
               <a:gdLst/>
               <a:ahLst/>
               <a:cxnLst/>
-              <a:rect r="r" b="b" t="t" l="l"/>
+              <a:rect l="l" t="t" r="r" b="b"/>
               <a:pathLst>
-                <a:path h="1296304" w="4816592">
+                <a:path w="4816592" h="1296304">
                   <a:moveTo>
                     <a:pt x="0" y="0"/>
                   </a:moveTo>
@@ -4631,7 +4605,7 @@
                 </a:path>
               </a:pathLst>
             </a:custGeom>
-            <a:gradFill rotWithShape="true">
+            <a:gradFill rotWithShape="1">
               <a:gsLst>
                 <a:gs pos="0">
                   <a:srgbClr val="048AFF">
@@ -4645,16 +4619,16 @@
                 </a:gs>
               </a:gsLst>
               <a:path path="circle">
-                <a:fillToRect l="0" r="100000" t="0" b="100000"/>
+                <a:fillToRect r="100000" b="100000"/>
               </a:path>
-              <a:tileRect r="0" l="-100000" b="0" t="-100000"/>
+              <a:tileRect l="-100000" t="-100000"/>
             </a:gradFill>
           </p:spPr>
         </p:sp>
         <p:sp>
           <p:nvSpPr>
-            <p:cNvPr name="TextBox 5" id="5"/>
-            <p:cNvSpPr txBox="true"/>
+            <p:cNvPr id="5" name="TextBox 5"/>
+            <p:cNvSpPr txBox="1"/>
             <p:nvPr/>
           </p:nvSpPr>
           <p:spPr>
@@ -4667,7 +4641,7 @@
             </a:prstGeom>
           </p:spPr>
           <p:txBody>
-            <a:bodyPr anchor="ctr" rtlCol="false" tIns="50800" lIns="50800" bIns="50800" rIns="50800"/>
+            <a:bodyPr lIns="50800" tIns="50800" rIns="50800" bIns="50800" rtlCol="0" anchor="ctr"/>
             <a:lstStyle/>
             <a:p>
               <a:pPr algn="ctr">
@@ -4675,58 +4649,309 @@
                   <a:spcPts val="3131"/>
                 </a:lnSpc>
               </a:pPr>
+              <a:endParaRPr/>
             </a:p>
           </p:txBody>
         </p:sp>
       </p:grpSp>
       <p:sp>
         <p:nvSpPr>
-          <p:cNvPr name="AutoShape 6" id="6"/>
-          <p:cNvSpPr/>
+          <p:cNvPr id="9" name="TextBox 9"/>
+          <p:cNvSpPr txBox="1"/>
           <p:nvPr/>
         </p:nvSpPr>
         <p:spPr>
           <a:xfrm>
-            <a:off x="9143324" y="5365097"/>
-            <a:ext cx="0" cy="3893203"/>
-          </a:xfrm>
-          <a:prstGeom prst="line">
+            <a:off x="6889973" y="7705710"/>
+            <a:ext cx="5208704" cy="1094467"/>
+          </a:xfrm>
+          <a:prstGeom prst="rect">
             <a:avLst/>
           </a:prstGeom>
-          <a:ln cap="rnd" w="76200">
-            <a:solidFill>
-              <a:srgbClr val="04001E"/>
-            </a:solidFill>
-            <a:prstDash val="solid"/>
-            <a:headEnd type="none" len="sm" w="sm"/>
-            <a:tailEnd type="none" len="sm" w="sm"/>
-          </a:ln>
-        </p:spPr>
+        </p:spPr>
+        <p:txBody>
+          <a:bodyPr wrap="square" lIns="0" tIns="0" rIns="0" bIns="0" rtlCol="0" anchor="t">
+            <a:spAutoFit/>
+          </a:bodyPr>
+          <a:lstStyle/>
+          <a:p>
+            <a:pPr algn="ctr">
+              <a:lnSpc>
+                <a:spcPts val="2858"/>
+              </a:lnSpc>
+            </a:pPr>
+            <a:r>
+              <a:rPr lang="en-US" sz="1958" dirty="0">
+                <a:solidFill>
+                  <a:srgbClr val="FFFFFF"/>
+                </a:solidFill>
+                <a:latin typeface="DM Sans"/>
+              </a:rPr>
+              <a:t>User </a:t>
+            </a:r>
+            <a:r>
+              <a:rPr lang="en-US" sz="1958" dirty="0" err="1">
+                <a:solidFill>
+                  <a:srgbClr val="FFFFFF"/>
+                </a:solidFill>
+                <a:latin typeface="DM Sans"/>
+              </a:rPr>
+              <a:t>memasukkan</a:t>
+            </a:r>
+            <a:r>
+              <a:rPr lang="en-US" sz="1958" dirty="0">
+                <a:solidFill>
+                  <a:srgbClr val="FFFFFF"/>
+                </a:solidFill>
+                <a:latin typeface="DM Sans"/>
+              </a:rPr>
+              <a:t> link </a:t>
+            </a:r>
+            <a:r>
+              <a:rPr lang="en-US" sz="1958" dirty="0" err="1">
+                <a:solidFill>
+                  <a:srgbClr val="FFFFFF"/>
+                </a:solidFill>
+                <a:latin typeface="DM Sans"/>
+              </a:rPr>
+              <a:t>url</a:t>
+            </a:r>
+            <a:r>
+              <a:rPr lang="en-US" sz="1958" dirty="0">
+                <a:solidFill>
+                  <a:srgbClr val="FFFFFF"/>
+                </a:solidFill>
+                <a:latin typeface="DM Sans"/>
+              </a:rPr>
+              <a:t> </a:t>
+            </a:r>
+            <a:r>
+              <a:rPr lang="en-US" sz="1958" dirty="0" err="1">
+                <a:solidFill>
+                  <a:srgbClr val="FFFFFF"/>
+                </a:solidFill>
+                <a:latin typeface="DM Sans"/>
+              </a:rPr>
+              <a:t>kemudian</a:t>
+            </a:r>
+            <a:r>
+              <a:rPr lang="en-US" sz="1958" dirty="0">
+                <a:solidFill>
+                  <a:srgbClr val="FFFFFF"/>
+                </a:solidFill>
+                <a:latin typeface="DM Sans"/>
+              </a:rPr>
+              <a:t> </a:t>
+            </a:r>
+            <a:r>
+              <a:rPr lang="en-US" sz="1958" dirty="0" err="1">
+                <a:solidFill>
+                  <a:srgbClr val="FFFFFF"/>
+                </a:solidFill>
+                <a:latin typeface="DM Sans"/>
+              </a:rPr>
+              <a:t>mengirim</a:t>
+            </a:r>
+            <a:r>
+              <a:rPr lang="en-US" sz="1958" dirty="0">
+                <a:solidFill>
+                  <a:srgbClr val="FFFFFF"/>
+                </a:solidFill>
+                <a:latin typeface="DM Sans"/>
+              </a:rPr>
+              <a:t> </a:t>
+            </a:r>
+            <a:r>
+              <a:rPr lang="en-US" sz="1958" dirty="0" err="1">
+                <a:solidFill>
+                  <a:srgbClr val="FFFFFF"/>
+                </a:solidFill>
+                <a:latin typeface="DM Sans"/>
+              </a:rPr>
+              <a:t>pesan</a:t>
+            </a:r>
+            <a:r>
+              <a:rPr lang="en-US" sz="1958" dirty="0">
+                <a:solidFill>
+                  <a:srgbClr val="FFFFFF"/>
+                </a:solidFill>
+                <a:latin typeface="DM Sans"/>
+              </a:rPr>
+              <a:t> pada </a:t>
+            </a:r>
+            <a:r>
+              <a:rPr lang="en-US" sz="1958" dirty="0" err="1">
+                <a:solidFill>
+                  <a:srgbClr val="FFFFFF"/>
+                </a:solidFill>
+                <a:latin typeface="DM Sans"/>
+              </a:rPr>
+              <a:t>kolom</a:t>
+            </a:r>
+            <a:r>
+              <a:rPr lang="en-US" sz="1958" dirty="0">
+                <a:solidFill>
+                  <a:srgbClr val="FFFFFF"/>
+                </a:solidFill>
+                <a:latin typeface="DM Sans"/>
+              </a:rPr>
+              <a:t> chat, </a:t>
+            </a:r>
+            <a:r>
+              <a:rPr lang="en-US" sz="1958" dirty="0" err="1">
+                <a:solidFill>
+                  <a:srgbClr val="FFFFFF"/>
+                </a:solidFill>
+                <a:latin typeface="DM Sans"/>
+              </a:rPr>
+              <a:t>kemudian</a:t>
+            </a:r>
+            <a:r>
+              <a:rPr lang="en-US" sz="1958" dirty="0">
+                <a:solidFill>
+                  <a:srgbClr val="FFFFFF"/>
+                </a:solidFill>
+                <a:latin typeface="DM Sans"/>
+              </a:rPr>
+              <a:t> </a:t>
+            </a:r>
+            <a:r>
+              <a:rPr lang="en-US" sz="1958" dirty="0" err="1">
+                <a:solidFill>
+                  <a:srgbClr val="FFFFFF"/>
+                </a:solidFill>
+                <a:latin typeface="DM Sans"/>
+              </a:rPr>
+              <a:t>pesan</a:t>
+            </a:r>
+            <a:r>
+              <a:rPr lang="en-US" sz="1958" dirty="0">
+                <a:solidFill>
+                  <a:srgbClr val="FFFFFF"/>
+                </a:solidFill>
+                <a:latin typeface="DM Sans"/>
+              </a:rPr>
+              <a:t> </a:t>
+            </a:r>
+            <a:r>
+              <a:rPr lang="en-US" sz="1958" dirty="0" err="1">
+                <a:solidFill>
+                  <a:srgbClr val="FFFFFF"/>
+                </a:solidFill>
+                <a:latin typeface="DM Sans"/>
+              </a:rPr>
+              <a:t>akkan</a:t>
+            </a:r>
+            <a:r>
+              <a:rPr lang="en-US" sz="1958" dirty="0">
+                <a:solidFill>
+                  <a:srgbClr val="FFFFFF"/>
+                </a:solidFill>
+                <a:latin typeface="DM Sans"/>
+              </a:rPr>
+              <a:t> </a:t>
+            </a:r>
+            <a:r>
+              <a:rPr lang="en-US" sz="1958" dirty="0" err="1">
+                <a:solidFill>
+                  <a:srgbClr val="FFFFFF"/>
+                </a:solidFill>
+                <a:latin typeface="DM Sans"/>
+              </a:rPr>
+              <a:t>otomatis</a:t>
+            </a:r>
+            <a:r>
+              <a:rPr lang="en-US" sz="1958" dirty="0">
+                <a:solidFill>
+                  <a:srgbClr val="FFFFFF"/>
+                </a:solidFill>
+                <a:latin typeface="DM Sans"/>
+              </a:rPr>
+              <a:t> </a:t>
+            </a:r>
+            <a:r>
+              <a:rPr lang="en-US" sz="1958" dirty="0" err="1">
+                <a:solidFill>
+                  <a:srgbClr val="FFFFFF"/>
+                </a:solidFill>
+                <a:latin typeface="DM Sans"/>
+              </a:rPr>
+              <a:t>dibalas</a:t>
+            </a:r>
+            <a:r>
+              <a:rPr lang="en-US" sz="1958" dirty="0">
+                <a:solidFill>
+                  <a:srgbClr val="FFFFFF"/>
+                </a:solidFill>
+                <a:latin typeface="DM Sans"/>
+              </a:rPr>
+              <a:t>.</a:t>
+            </a:r>
+          </a:p>
+        </p:txBody>
+      </p:sp>
+      <p:sp>
+        <p:nvSpPr>
+          <p:cNvPr id="10" name="TextBox 10"/>
+          <p:cNvSpPr txBox="1"/>
+          <p:nvPr/>
+        </p:nvSpPr>
+        <p:spPr>
+          <a:xfrm>
+            <a:off x="8355666" y="2524773"/>
+            <a:ext cx="2277319" cy="340288"/>
+          </a:xfrm>
+          <a:prstGeom prst="rect">
+            <a:avLst/>
+          </a:prstGeom>
+        </p:spPr>
+        <p:txBody>
+          <a:bodyPr lIns="0" tIns="0" rIns="0" bIns="0" rtlCol="0" anchor="t">
+            <a:spAutoFit/>
+          </a:bodyPr>
+          <a:lstStyle/>
+          <a:p>
+            <a:pPr algn="ctr">
+              <a:lnSpc>
+                <a:spcPts val="2706"/>
+              </a:lnSpc>
+            </a:pPr>
+            <a:r>
+              <a:rPr lang="en-US" sz="1946" dirty="0">
+                <a:solidFill>
+                  <a:srgbClr val="B100E8"/>
+                </a:solidFill>
+                <a:latin typeface="Now Bold"/>
+              </a:rPr>
+              <a:t>Chatting</a:t>
+            </a:r>
+          </a:p>
+        </p:txBody>
       </p:sp>
       <p:grpSp>
         <p:nvGrpSpPr>
-          <p:cNvPr name="Group 7" id="7"/>
+          <p:cNvPr id="11" name="Group 11"/>
           <p:cNvGrpSpPr>
-            <a:grpSpLocks noChangeAspect="true"/>
+            <a:grpSpLocks noChangeAspect="1"/>
           </p:cNvGrpSpPr>
           <p:nvPr/>
         </p:nvGrpSpPr>
         <p:grpSpPr>
-          <a:xfrm rot="0">
-            <a:off x="1911296" y="3154118"/>
-            <a:ext cx="6470028" cy="5432161"/>
+          <a:xfrm>
+            <a:off x="4960427" y="2476500"/>
+            <a:ext cx="9067800" cy="7249254"/>
             <a:chOff x="0" y="0"/>
             <a:chExt cx="8764270" cy="7358380"/>
           </a:xfrm>
         </p:grpSpPr>
         <p:sp>
           <p:nvSpPr>
-            <p:cNvPr name="Freeform 8" id="8"/>
+            <p:cNvPr id="12" name="Freeform 12"/>
             <p:cNvSpPr/>
             <p:nvPr/>
           </p:nvSpPr>
           <p:spPr>
-            <a:xfrm flipH="false" flipV="false" rot="0">
+            <a:xfrm>
               <a:off x="505460" y="585470"/>
               <a:ext cx="7753350" cy="4354830"/>
             </a:xfrm>
@@ -4735,9 +4960,9 @@
               <a:gdLst/>
               <a:ahLst/>
               <a:cxnLst/>
-              <a:rect r="r" b="b" t="t" l="l"/>
+              <a:rect l="l" t="t" r="r" b="b"/>
               <a:pathLst>
-                <a:path h="4354830" w="7753350">
+                <a:path w="7753350" h="4354830">
                   <a:moveTo>
                     <a:pt x="0" y="0"/>
                   </a:moveTo>
@@ -4757,7 +4982,7 @@
             <a:blipFill>
               <a:blip r:embed="rId3"/>
               <a:stretch>
-                <a:fillRect l="-9778" t="0" r="-9778" b="0"/>
+                <a:fillRect l="-9778" r="-9778"/>
               </a:stretch>
             </a:blipFill>
           </p:spPr>
@@ -4765,162 +4990,26 @@
       </p:grpSp>
       <p:sp>
         <p:nvSpPr>
-          <p:cNvPr name="TextBox 9" id="9"/>
-          <p:cNvSpPr txBox="true"/>
+          <p:cNvPr id="13" name="TextBox 13"/>
+          <p:cNvSpPr txBox="1"/>
           <p:nvPr/>
         </p:nvSpPr>
         <p:spPr>
-          <a:xfrm rot="0">
-            <a:off x="12218335" y="7261804"/>
-            <a:ext cx="3345658" cy="1059292"/>
+          <a:xfrm>
+            <a:off x="3702221" y="1357120"/>
+            <a:ext cx="10883558" cy="975873"/>
           </a:xfrm>
           <a:prstGeom prst="rect">
             <a:avLst/>
           </a:prstGeom>
         </p:spPr>
         <p:txBody>
-          <a:bodyPr anchor="t" rtlCol="false" tIns="0" lIns="0" bIns="0" rIns="0">
+          <a:bodyPr lIns="0" tIns="0" rIns="0" bIns="0" rtlCol="0" anchor="t">
             <a:spAutoFit/>
           </a:bodyPr>
           <a:lstStyle/>
           <a:p>
-            <a:pPr algn="ctr">
-              <a:lnSpc>
-                <a:spcPts val="2858"/>
-              </a:lnSpc>
-            </a:pPr>
-            <a:r>
-              <a:rPr lang="en-US" sz="1958">
-                <a:solidFill>
-                  <a:srgbClr val="FFFFFF"/>
-                </a:solidFill>
-                <a:latin typeface="DM Sans"/>
-              </a:rPr>
-              <a:t>User mengirim pesan pada kolom chat, kemudian pesan akkan otomatis dibalas.</a:t>
-            </a:r>
-          </a:p>
-        </p:txBody>
-      </p:sp>
-      <p:sp>
-        <p:nvSpPr>
-          <p:cNvPr name="TextBox 10" id="10"/>
-          <p:cNvSpPr txBox="true"/>
-          <p:nvPr/>
-        </p:nvSpPr>
-        <p:spPr>
-          <a:xfrm rot="0">
-            <a:off x="12752504" y="2960162"/>
-            <a:ext cx="2277319" cy="340288"/>
-          </a:xfrm>
-          <a:prstGeom prst="rect">
-            <a:avLst/>
-          </a:prstGeom>
-        </p:spPr>
-        <p:txBody>
-          <a:bodyPr anchor="t" rtlCol="false" tIns="0" lIns="0" bIns="0" rIns="0">
-            <a:spAutoFit/>
-          </a:bodyPr>
-          <a:lstStyle/>
-          <a:p>
-            <a:pPr algn="ctr">
-              <a:lnSpc>
-                <a:spcPts val="2706"/>
-              </a:lnSpc>
-            </a:pPr>
-            <a:r>
-              <a:rPr lang="en-US" sz="1946">
-                <a:solidFill>
-                  <a:srgbClr val="B100E8"/>
-                </a:solidFill>
-                <a:latin typeface="Now Bold"/>
-              </a:rPr>
-              <a:t>Chatting</a:t>
-            </a:r>
-          </a:p>
-        </p:txBody>
-      </p:sp>
-      <p:grpSp>
-        <p:nvGrpSpPr>
-          <p:cNvPr name="Group 11" id="11"/>
-          <p:cNvGrpSpPr>
-            <a:grpSpLocks noChangeAspect="true"/>
-          </p:cNvGrpSpPr>
-          <p:nvPr/>
-        </p:nvGrpSpPr>
-        <p:grpSpPr>
-          <a:xfrm rot="0">
-            <a:off x="10656150" y="3154118"/>
-            <a:ext cx="6470028" cy="5432161"/>
-            <a:chOff x="0" y="0"/>
-            <a:chExt cx="8764270" cy="7358380"/>
-          </a:xfrm>
-        </p:grpSpPr>
-        <p:sp>
-          <p:nvSpPr>
-            <p:cNvPr name="Freeform 12" id="12"/>
-            <p:cNvSpPr/>
-            <p:nvPr/>
-          </p:nvSpPr>
-          <p:spPr>
-            <a:xfrm flipH="false" flipV="false" rot="0">
-              <a:off x="505460" y="585470"/>
-              <a:ext cx="7753350" cy="4354830"/>
-            </a:xfrm>
-            <a:custGeom>
-              <a:avLst/>
-              <a:gdLst/>
-              <a:ahLst/>
-              <a:cxnLst/>
-              <a:rect r="r" b="b" t="t" l="l"/>
-              <a:pathLst>
-                <a:path h="4354830" w="7753350">
-                  <a:moveTo>
-                    <a:pt x="0" y="0"/>
-                  </a:moveTo>
-                  <a:lnTo>
-                    <a:pt x="7753350" y="0"/>
-                  </a:lnTo>
-                  <a:lnTo>
-                    <a:pt x="7753350" y="4354830"/>
-                  </a:lnTo>
-                  <a:lnTo>
-                    <a:pt x="0" y="4354830"/>
-                  </a:lnTo>
-                  <a:close/>
-                </a:path>
-              </a:pathLst>
-            </a:custGeom>
-            <a:blipFill>
-              <a:blip r:embed="rId4"/>
-              <a:stretch>
-                <a:fillRect l="-9778" t="0" r="-9778" b="0"/>
-              </a:stretch>
-            </a:blipFill>
-          </p:spPr>
-        </p:sp>
-      </p:grpSp>
-      <p:sp>
-        <p:nvSpPr>
-          <p:cNvPr name="TextBox 13" id="13"/>
-          <p:cNvSpPr txBox="true"/>
-          <p:nvPr/>
-        </p:nvSpPr>
-        <p:spPr>
-          <a:xfrm rot="0">
-            <a:off x="3702221" y="1357120"/>
-            <a:ext cx="10883558" cy="975873"/>
-          </a:xfrm>
-          <a:prstGeom prst="rect">
-            <a:avLst/>
-          </a:prstGeom>
-        </p:spPr>
-        <p:txBody>
-          <a:bodyPr anchor="t" rtlCol="false" tIns="0" lIns="0" bIns="0" rIns="0">
-            <a:spAutoFit/>
-          </a:bodyPr>
-          <a:lstStyle/>
-          <a:p>
-            <a:pPr algn="ctr" marL="0" indent="0" lvl="0">
+            <a:pPr marL="0" lvl="0" indent="0" algn="ctr">
               <a:lnSpc>
                 <a:spcPts val="7981"/>
               </a:lnSpc>
@@ -4936,82 +5025,6 @@
                 <a:latin typeface="Now Bold"/>
               </a:rPr>
               <a:t>Use Flow</a:t>
-            </a:r>
-          </a:p>
-        </p:txBody>
-      </p:sp>
-      <p:sp>
-        <p:nvSpPr>
-          <p:cNvPr name="TextBox 14" id="14"/>
-          <p:cNvSpPr txBox="true"/>
-          <p:nvPr/>
-        </p:nvSpPr>
-        <p:spPr>
-          <a:xfrm rot="0">
-            <a:off x="4149080" y="2960162"/>
-            <a:ext cx="2277319" cy="340288"/>
-          </a:xfrm>
-          <a:prstGeom prst="rect">
-            <a:avLst/>
-          </a:prstGeom>
-        </p:spPr>
-        <p:txBody>
-          <a:bodyPr anchor="t" rtlCol="false" tIns="0" lIns="0" bIns="0" rIns="0">
-            <a:spAutoFit/>
-          </a:bodyPr>
-          <a:lstStyle/>
-          <a:p>
-            <a:pPr algn="ctr">
-              <a:lnSpc>
-                <a:spcPts val="2706"/>
-              </a:lnSpc>
-            </a:pPr>
-            <a:r>
-              <a:rPr lang="en-US" sz="1946">
-                <a:solidFill>
-                  <a:srgbClr val="B100E8"/>
-                </a:solidFill>
-                <a:latin typeface="Now Bold"/>
-              </a:rPr>
-              <a:t>LOGIN</a:t>
-            </a:r>
-          </a:p>
-        </p:txBody>
-      </p:sp>
-      <p:sp>
-        <p:nvSpPr>
-          <p:cNvPr name="TextBox 15" id="15"/>
-          <p:cNvSpPr txBox="true"/>
-          <p:nvPr/>
-        </p:nvSpPr>
-        <p:spPr>
-          <a:xfrm rot="0">
-            <a:off x="3347681" y="7458328"/>
-            <a:ext cx="3880117" cy="697342"/>
-          </a:xfrm>
-          <a:prstGeom prst="rect">
-            <a:avLst/>
-          </a:prstGeom>
-        </p:spPr>
-        <p:txBody>
-          <a:bodyPr anchor="t" rtlCol="false" tIns="0" lIns="0" bIns="0" rIns="0">
-            <a:spAutoFit/>
-          </a:bodyPr>
-          <a:lstStyle/>
-          <a:p>
-            <a:pPr algn="ctr">
-              <a:lnSpc>
-                <a:spcPts val="2858"/>
-              </a:lnSpc>
-            </a:pPr>
-            <a:r>
-              <a:rPr lang="en-US" sz="1958">
-                <a:solidFill>
-                  <a:srgbClr val="FFFFFF"/>
-                </a:solidFill>
-                <a:latin typeface="DM Sans"/>
-              </a:rPr>
-              <a:t>User melakukan Login / Register terlebih dahulu.</a:t>
             </a:r>
           </a:p>
         </p:txBody>
@@ -5025,7 +5038,7 @@
 </file>
 
 <file path=ppt/slides/slide5.xml><?xml version="1.0" encoding="utf-8"?>
-<p:sld xmlns:p="http://schemas.openxmlformats.org/presentationml/2006/main" xmlns:a="http://schemas.openxmlformats.org/drawingml/2006/main" xmlns:r="http://schemas.openxmlformats.org/officeDocument/2006/relationships">
+<p:sld xmlns:a="http://schemas.openxmlformats.org/drawingml/2006/main" xmlns:r="http://schemas.openxmlformats.org/officeDocument/2006/relationships" xmlns:p="http://schemas.openxmlformats.org/presentationml/2006/main">
   <p:cSld>
     <p:spTree>
       <p:nvGrpSpPr>
@@ -5043,21 +5056,21 @@
       </p:grpSpPr>
       <p:pic>
         <p:nvPicPr>
-          <p:cNvPr name="Picture 2" id="2"/>
+          <p:cNvPr id="2" name="Picture 2"/>
           <p:cNvPicPr>
-            <a:picLocks noChangeAspect="true"/>
+            <a:picLocks noChangeAspect="1"/>
           </p:cNvPicPr>
           <p:nvPr/>
         </p:nvPicPr>
         <p:blipFill>
           <a:blip r:embed="rId2"/>
-          <a:srcRect l="0" t="21875" r="0" b="21875"/>
+          <a:srcRect t="21875" b="21875"/>
           <a:stretch>
             <a:fillRect/>
           </a:stretch>
         </p:blipFill>
         <p:spPr>
-          <a:xfrm flipH="false" flipV="true">
+          <a:xfrm flipV="1">
             <a:off x="0" y="0"/>
             <a:ext cx="18288000" cy="10287000"/>
           </a:xfrm>
@@ -5068,12 +5081,12 @@
       </p:pic>
       <p:sp>
         <p:nvSpPr>
-          <p:cNvPr name="Freeform 3" id="3"/>
+          <p:cNvPr id="3" name="Freeform 3"/>
           <p:cNvSpPr/>
           <p:nvPr/>
         </p:nvSpPr>
         <p:spPr>
-          <a:xfrm flipH="false" flipV="false" rot="-6001244">
+          <a:xfrm rot="-6001244">
             <a:off x="10917706" y="7049713"/>
             <a:ext cx="14283863" cy="12962606"/>
           </a:xfrm>
@@ -5082,9 +5095,9 @@
             <a:gdLst/>
             <a:ahLst/>
             <a:cxnLst/>
-            <a:rect r="r" b="b" t="t" l="l"/>
+            <a:rect l="l" t="t" r="r" b="b"/>
             <a:pathLst>
-              <a:path h="12962606" w="14283863">
+              <a:path w="14283863" h="12962606">
                 <a:moveTo>
                   <a:pt x="0" y="0"/>
                 </a:moveTo>
@@ -5107,19 +5120,19 @@
           <a:blipFill>
             <a:blip r:embed="rId3"/>
             <a:stretch>
-              <a:fillRect l="0" t="0" r="0" b="0"/>
+              <a:fillRect/>
             </a:stretch>
           </a:blipFill>
         </p:spPr>
       </p:sp>
       <p:sp>
         <p:nvSpPr>
-          <p:cNvPr name="Freeform 4" id="4"/>
+          <p:cNvPr id="4" name="Freeform 4"/>
           <p:cNvSpPr/>
           <p:nvPr/>
         </p:nvSpPr>
         <p:spPr>
-          <a:xfrm flipH="false" flipV="false" rot="1084654">
+          <a:xfrm rot="1084654">
             <a:off x="-6628924" y="-8283079"/>
             <a:ext cx="12596877" cy="11431666"/>
           </a:xfrm>
@@ -5128,9 +5141,9 @@
             <a:gdLst/>
             <a:ahLst/>
             <a:cxnLst/>
-            <a:rect r="r" b="b" t="t" l="l"/>
+            <a:rect l="l" t="t" r="r" b="b"/>
             <a:pathLst>
-              <a:path h="11431666" w="12596877">
+              <a:path w="12596877" h="11431666">
                 <a:moveTo>
                   <a:pt x="0" y="0"/>
                 </a:moveTo>
@@ -5153,19 +5166,19 @@
           <a:blipFill>
             <a:blip r:embed="rId3"/>
             <a:stretch>
-              <a:fillRect l="0" t="0" r="0" b="0"/>
+              <a:fillRect/>
             </a:stretch>
           </a:blipFill>
         </p:spPr>
       </p:sp>
       <p:sp>
         <p:nvSpPr>
-          <p:cNvPr name="TextBox 5" id="5"/>
-          <p:cNvSpPr txBox="true"/>
+          <p:cNvPr id="5" name="TextBox 5"/>
+          <p:cNvSpPr txBox="1"/>
           <p:nvPr/>
         </p:nvSpPr>
         <p:spPr>
-          <a:xfrm rot="0">
+          <a:xfrm>
             <a:off x="4141139" y="4749861"/>
             <a:ext cx="6437528" cy="496572"/>
           </a:xfrm>
@@ -5174,7 +5187,7 @@
           </a:prstGeom>
         </p:spPr>
         <p:txBody>
-          <a:bodyPr anchor="t" rtlCol="false" tIns="0" lIns="0" bIns="0" rIns="0">
+          <a:bodyPr lIns="0" tIns="0" rIns="0" bIns="0" rtlCol="0" anchor="t">
             <a:spAutoFit/>
           </a:bodyPr>
           <a:lstStyle/>
@@ -5198,12 +5211,12 @@
       </p:sp>
       <p:sp>
         <p:nvSpPr>
-          <p:cNvPr name="Freeform 6" id="6"/>
+          <p:cNvPr id="6" name="Freeform 6"/>
           <p:cNvSpPr/>
           <p:nvPr/>
         </p:nvSpPr>
         <p:spPr>
-          <a:xfrm flipH="false" flipV="false" rot="0">
+          <a:xfrm>
             <a:off x="14545481" y="-693771"/>
             <a:ext cx="4114800" cy="4114800"/>
           </a:xfrm>
@@ -5212,9 +5225,9 @@
             <a:gdLst/>
             <a:ahLst/>
             <a:cxnLst/>
-            <a:rect r="r" b="b" t="t" l="l"/>
+            <a:rect l="l" t="t" r="r" b="b"/>
             <a:pathLst>
-              <a:path h="4114800" w="4114800">
+              <a:path w="4114800" h="4114800">
                 <a:moveTo>
                   <a:pt x="0" y="0"/>
                 </a:moveTo>
@@ -5244,19 +5257,19 @@
               </a:extLst>
             </a:blip>
             <a:stretch>
-              <a:fillRect l="0" t="0" r="0" b="0"/>
+              <a:fillRect/>
             </a:stretch>
           </a:blipFill>
         </p:spPr>
       </p:sp>
       <p:sp>
         <p:nvSpPr>
-          <p:cNvPr name="TextBox 7" id="7"/>
-          <p:cNvSpPr txBox="true"/>
+          <p:cNvPr id="7" name="TextBox 7"/>
+          <p:cNvSpPr txBox="1"/>
           <p:nvPr/>
         </p:nvSpPr>
         <p:spPr>
-          <a:xfrm rot="0">
+          <a:xfrm>
             <a:off x="1674634" y="3432013"/>
             <a:ext cx="11370537" cy="1384523"/>
           </a:xfrm>
@@ -5265,7 +5278,7 @@
           </a:prstGeom>
         </p:spPr>
         <p:txBody>
-          <a:bodyPr anchor="t" rtlCol="false" tIns="0" lIns="0" bIns="0" rIns="0">
+          <a:bodyPr lIns="0" tIns="0" rIns="0" bIns="0" rtlCol="0" anchor="t">
             <a:spAutoFit/>
           </a:bodyPr>
           <a:lstStyle/>
@@ -5289,12 +5302,12 @@
       </p:sp>
       <p:sp>
         <p:nvSpPr>
-          <p:cNvPr name="TextBox 8" id="8"/>
-          <p:cNvSpPr txBox="true"/>
+          <p:cNvPr id="8" name="TextBox 8"/>
+          <p:cNvSpPr txBox="1"/>
           <p:nvPr/>
         </p:nvSpPr>
         <p:spPr>
-          <a:xfrm rot="0">
+          <a:xfrm>
             <a:off x="5771016" y="6021463"/>
             <a:ext cx="5221384" cy="390350"/>
           </a:xfrm>
@@ -5303,12 +5316,12 @@
           </a:prstGeom>
         </p:spPr>
         <p:txBody>
-          <a:bodyPr anchor="t" rtlCol="false" tIns="0" lIns="0" bIns="0" rIns="0">
+          <a:bodyPr lIns="0" tIns="0" rIns="0" bIns="0" rtlCol="0" anchor="t">
             <a:spAutoFit/>
           </a:bodyPr>
           <a:lstStyle/>
           <a:p>
-            <a:pPr algn="l" marL="0" indent="0" lvl="0">
+            <a:pPr marL="0" lvl="0" indent="0" algn="l">
               <a:lnSpc>
                 <a:spcPts val="3131"/>
               </a:lnSpc>
@@ -5330,12 +5343,12 @@
       </p:sp>
       <p:sp>
         <p:nvSpPr>
-          <p:cNvPr name="Freeform 9" id="9"/>
+          <p:cNvPr id="9" name="Freeform 9"/>
           <p:cNvSpPr/>
           <p:nvPr/>
         </p:nvSpPr>
         <p:spPr>
-          <a:xfrm flipH="false" flipV="false" rot="0">
+          <a:xfrm>
             <a:off x="5005377" y="6644949"/>
             <a:ext cx="603509" cy="603509"/>
           </a:xfrm>
@@ -5344,9 +5357,9 @@
             <a:gdLst/>
             <a:ahLst/>
             <a:cxnLst/>
-            <a:rect r="r" b="b" t="t" l="l"/>
+            <a:rect l="l" t="t" r="r" b="b"/>
             <a:pathLst>
-              <a:path h="603509" w="603509">
+              <a:path w="603509" h="603509">
                 <a:moveTo>
                   <a:pt x="0" y="0"/>
                 </a:moveTo>
@@ -5375,19 +5388,19 @@
               </a:extLst>
             </a:blip>
             <a:stretch>
-              <a:fillRect l="0" t="0" r="0" b="0"/>
+              <a:fillRect/>
             </a:stretch>
           </a:blipFill>
         </p:spPr>
       </p:sp>
       <p:sp>
         <p:nvSpPr>
-          <p:cNvPr name="Freeform 10" id="10"/>
+          <p:cNvPr id="10" name="Freeform 10"/>
           <p:cNvSpPr/>
           <p:nvPr/>
         </p:nvSpPr>
         <p:spPr>
-          <a:xfrm flipH="false" flipV="false" rot="0">
+          <a:xfrm>
             <a:off x="5005377" y="7367389"/>
             <a:ext cx="603509" cy="603509"/>
           </a:xfrm>
@@ -5396,9 +5409,9 @@
             <a:gdLst/>
             <a:ahLst/>
             <a:cxnLst/>
-            <a:rect r="r" b="b" t="t" l="l"/>
+            <a:rect l="l" t="t" r="r" b="b"/>
             <a:pathLst>
-              <a:path h="603509" w="603509">
+              <a:path w="603509" h="603509">
                 <a:moveTo>
                   <a:pt x="0" y="0"/>
                 </a:moveTo>
@@ -5427,19 +5440,19 @@
               </a:extLst>
             </a:blip>
             <a:stretch>
-              <a:fillRect l="0" t="0" r="0" b="0"/>
+              <a:fillRect/>
             </a:stretch>
           </a:blipFill>
         </p:spPr>
       </p:sp>
       <p:sp>
         <p:nvSpPr>
-          <p:cNvPr name="Freeform 11" id="11"/>
+          <p:cNvPr id="11" name="Freeform 11"/>
           <p:cNvSpPr/>
           <p:nvPr/>
         </p:nvSpPr>
         <p:spPr>
-          <a:xfrm flipH="false" flipV="false" rot="0">
+          <a:xfrm>
             <a:off x="5005377" y="5919646"/>
             <a:ext cx="603509" cy="603509"/>
           </a:xfrm>
@@ -5448,9 +5461,9 @@
             <a:gdLst/>
             <a:ahLst/>
             <a:cxnLst/>
-            <a:rect r="r" b="b" t="t" l="l"/>
+            <a:rect l="l" t="t" r="r" b="b"/>
             <a:pathLst>
-              <a:path h="603509" w="603509">
+              <a:path w="603509" h="603509">
                 <a:moveTo>
                   <a:pt x="0" y="0"/>
                 </a:moveTo>
@@ -5479,19 +5492,19 @@
               </a:extLst>
             </a:blip>
             <a:stretch>
-              <a:fillRect l="0" t="0" r="0" b="0"/>
+              <a:fillRect/>
             </a:stretch>
           </a:blipFill>
         </p:spPr>
       </p:sp>
       <p:sp>
         <p:nvSpPr>
-          <p:cNvPr name="Freeform 12" id="12"/>
+          <p:cNvPr id="12" name="Freeform 12"/>
           <p:cNvSpPr/>
           <p:nvPr/>
         </p:nvSpPr>
         <p:spPr>
-          <a:xfrm flipH="false" flipV="false" rot="0">
+          <a:xfrm>
             <a:off x="5005377" y="8089829"/>
             <a:ext cx="603509" cy="603509"/>
           </a:xfrm>
@@ -5500,9 +5513,9 @@
             <a:gdLst/>
             <a:ahLst/>
             <a:cxnLst/>
-            <a:rect r="r" b="b" t="t" l="l"/>
+            <a:rect l="l" t="t" r="r" b="b"/>
             <a:pathLst>
-              <a:path h="603509" w="603509">
+              <a:path w="603509" h="603509">
                 <a:moveTo>
                   <a:pt x="0" y="0"/>
                 </a:moveTo>
@@ -5531,19 +5544,19 @@
               </a:extLst>
             </a:blip>
             <a:stretch>
-              <a:fillRect l="0" t="0" r="0" b="0"/>
+              <a:fillRect/>
             </a:stretch>
           </a:blipFill>
         </p:spPr>
       </p:sp>
       <p:sp>
         <p:nvSpPr>
-          <p:cNvPr name="TextBox 13" id="13"/>
-          <p:cNvSpPr txBox="true"/>
+          <p:cNvPr id="13" name="TextBox 13"/>
+          <p:cNvSpPr txBox="1"/>
           <p:nvPr/>
         </p:nvSpPr>
         <p:spPr>
-          <a:xfrm rot="0">
+          <a:xfrm>
             <a:off x="5771016" y="6746766"/>
             <a:ext cx="5221384" cy="390350"/>
           </a:xfrm>
@@ -5552,12 +5565,12 @@
           </a:prstGeom>
         </p:spPr>
         <p:txBody>
-          <a:bodyPr anchor="t" rtlCol="false" tIns="0" lIns="0" bIns="0" rIns="0">
+          <a:bodyPr lIns="0" tIns="0" rIns="0" bIns="0" rtlCol="0" anchor="t">
             <a:spAutoFit/>
           </a:bodyPr>
           <a:lstStyle/>
           <a:p>
-            <a:pPr algn="l" marL="0" indent="0" lvl="0">
+            <a:pPr marL="0" lvl="0" indent="0" algn="l">
               <a:lnSpc>
                 <a:spcPts val="3131"/>
               </a:lnSpc>
@@ -5579,12 +5592,12 @@
       </p:sp>
       <p:sp>
         <p:nvSpPr>
-          <p:cNvPr name="TextBox 14" id="14"/>
-          <p:cNvSpPr txBox="true"/>
+          <p:cNvPr id="14" name="TextBox 14"/>
+          <p:cNvSpPr txBox="1"/>
           <p:nvPr/>
         </p:nvSpPr>
         <p:spPr>
-          <a:xfrm rot="0">
+          <a:xfrm>
             <a:off x="5771016" y="7470492"/>
             <a:ext cx="5221384" cy="390350"/>
           </a:xfrm>
@@ -5593,12 +5606,12 @@
           </a:prstGeom>
         </p:spPr>
         <p:txBody>
-          <a:bodyPr anchor="t" rtlCol="false" tIns="0" lIns="0" bIns="0" rIns="0">
+          <a:bodyPr lIns="0" tIns="0" rIns="0" bIns="0" rtlCol="0" anchor="t">
             <a:spAutoFit/>
           </a:bodyPr>
           <a:lstStyle/>
           <a:p>
-            <a:pPr algn="l" marL="0" indent="0" lvl="0">
+            <a:pPr marL="0" lvl="0" indent="0" algn="l">
               <a:lnSpc>
                 <a:spcPts val="3131"/>
               </a:lnSpc>
@@ -5620,12 +5633,12 @@
       </p:sp>
       <p:sp>
         <p:nvSpPr>
-          <p:cNvPr name="TextBox 15" id="15"/>
-          <p:cNvSpPr txBox="true"/>
+          <p:cNvPr id="15" name="TextBox 15"/>
+          <p:cNvSpPr txBox="1"/>
           <p:nvPr/>
         </p:nvSpPr>
         <p:spPr>
-          <a:xfrm rot="0">
+          <a:xfrm>
             <a:off x="5771016" y="8191646"/>
             <a:ext cx="7274155" cy="390350"/>
           </a:xfrm>
@@ -5634,12 +5647,12 @@
           </a:prstGeom>
         </p:spPr>
         <p:txBody>
-          <a:bodyPr anchor="t" rtlCol="false" tIns="0" lIns="0" bIns="0" rIns="0">
+          <a:bodyPr lIns="0" tIns="0" rIns="0" bIns="0" rtlCol="0" anchor="t">
             <a:spAutoFit/>
           </a:bodyPr>
           <a:lstStyle/>
           <a:p>
-            <a:pPr algn="l" marL="0" indent="0" lvl="0">
+            <a:pPr marL="0" lvl="0" indent="0" algn="l">
               <a:lnSpc>
                 <a:spcPts val="3131"/>
               </a:lnSpc>
